--- a/2024/pss_a/MSP-Latex-Template/Figs/New.pptx
+++ b/2024/pss_a/MSP-Latex-Template/Figs/New.pptx
@@ -262,7 +262,7 @@
           <a:p>
             <a:fld id="{3D1CAED6-1CB0-4158-A97B-4DA3BE2D9695}" type="datetimeFigureOut">
               <a:rPr lang="ru-UA" smtClean="0"/>
-              <a:t>05.04.2024</a:t>
+              <a:t>09.04.2024</a:t>
             </a:fld>
             <a:endParaRPr lang="ru-UA"/>
           </a:p>
@@ -462,7 +462,7 @@
           <a:p>
             <a:fld id="{3D1CAED6-1CB0-4158-A97B-4DA3BE2D9695}" type="datetimeFigureOut">
               <a:rPr lang="ru-UA" smtClean="0"/>
-              <a:t>05.04.2024</a:t>
+              <a:t>09.04.2024</a:t>
             </a:fld>
             <a:endParaRPr lang="ru-UA"/>
           </a:p>
@@ -672,7 +672,7 @@
           <a:p>
             <a:fld id="{3D1CAED6-1CB0-4158-A97B-4DA3BE2D9695}" type="datetimeFigureOut">
               <a:rPr lang="ru-UA" smtClean="0"/>
-              <a:t>05.04.2024</a:t>
+              <a:t>09.04.2024</a:t>
             </a:fld>
             <a:endParaRPr lang="ru-UA"/>
           </a:p>
@@ -872,7 +872,7 @@
           <a:p>
             <a:fld id="{3D1CAED6-1CB0-4158-A97B-4DA3BE2D9695}" type="datetimeFigureOut">
               <a:rPr lang="ru-UA" smtClean="0"/>
-              <a:t>05.04.2024</a:t>
+              <a:t>09.04.2024</a:t>
             </a:fld>
             <a:endParaRPr lang="ru-UA"/>
           </a:p>
@@ -1148,7 +1148,7 @@
           <a:p>
             <a:fld id="{3D1CAED6-1CB0-4158-A97B-4DA3BE2D9695}" type="datetimeFigureOut">
               <a:rPr lang="ru-UA" smtClean="0"/>
-              <a:t>05.04.2024</a:t>
+              <a:t>09.04.2024</a:t>
             </a:fld>
             <a:endParaRPr lang="ru-UA"/>
           </a:p>
@@ -1416,7 +1416,7 @@
           <a:p>
             <a:fld id="{3D1CAED6-1CB0-4158-A97B-4DA3BE2D9695}" type="datetimeFigureOut">
               <a:rPr lang="ru-UA" smtClean="0"/>
-              <a:t>05.04.2024</a:t>
+              <a:t>09.04.2024</a:t>
             </a:fld>
             <a:endParaRPr lang="ru-UA"/>
           </a:p>
@@ -1831,7 +1831,7 @@
           <a:p>
             <a:fld id="{3D1CAED6-1CB0-4158-A97B-4DA3BE2D9695}" type="datetimeFigureOut">
               <a:rPr lang="ru-UA" smtClean="0"/>
-              <a:t>05.04.2024</a:t>
+              <a:t>09.04.2024</a:t>
             </a:fld>
             <a:endParaRPr lang="ru-UA"/>
           </a:p>
@@ -1973,7 +1973,7 @@
           <a:p>
             <a:fld id="{3D1CAED6-1CB0-4158-A97B-4DA3BE2D9695}" type="datetimeFigureOut">
               <a:rPr lang="ru-UA" smtClean="0"/>
-              <a:t>05.04.2024</a:t>
+              <a:t>09.04.2024</a:t>
             </a:fld>
             <a:endParaRPr lang="ru-UA"/>
           </a:p>
@@ -2086,7 +2086,7 @@
           <a:p>
             <a:fld id="{3D1CAED6-1CB0-4158-A97B-4DA3BE2D9695}" type="datetimeFigureOut">
               <a:rPr lang="ru-UA" smtClean="0"/>
-              <a:t>05.04.2024</a:t>
+              <a:t>09.04.2024</a:t>
             </a:fld>
             <a:endParaRPr lang="ru-UA"/>
           </a:p>
@@ -2399,7 +2399,7 @@
           <a:p>
             <a:fld id="{3D1CAED6-1CB0-4158-A97B-4DA3BE2D9695}" type="datetimeFigureOut">
               <a:rPr lang="ru-UA" smtClean="0"/>
-              <a:t>05.04.2024</a:t>
+              <a:t>09.04.2024</a:t>
             </a:fld>
             <a:endParaRPr lang="ru-UA"/>
           </a:p>
@@ -2688,7 +2688,7 @@
           <a:p>
             <a:fld id="{3D1CAED6-1CB0-4158-A97B-4DA3BE2D9695}" type="datetimeFigureOut">
               <a:rPr lang="ru-UA" smtClean="0"/>
-              <a:t>05.04.2024</a:t>
+              <a:t>09.04.2024</a:t>
             </a:fld>
             <a:endParaRPr lang="ru-UA"/>
           </a:p>
@@ -2931,7 +2931,7 @@
           <a:p>
             <a:fld id="{3D1CAED6-1CB0-4158-A97B-4DA3BE2D9695}" type="datetimeFigureOut">
               <a:rPr lang="ru-UA" smtClean="0"/>
-              <a:t>05.04.2024</a:t>
+              <a:t>09.04.2024</a:t>
             </a:fld>
             <a:endParaRPr lang="ru-UA"/>
           </a:p>
@@ -5648,36 +5648,6 @@
           </a:p>
         </p:txBody>
       </p:sp>
-      <p:pic>
-        <p:nvPicPr>
-          <p:cNvPr id="45" name="Picture 44">
-            <a:extLst>
-              <a:ext uri="{FF2B5EF4-FFF2-40B4-BE49-F238E27FC236}">
-                <a16:creationId xmlns:a16="http://schemas.microsoft.com/office/drawing/2014/main" id="{9661898F-318B-E0F3-677B-FC9CFCADDB77}"/>
-              </a:ext>
-            </a:extLst>
-          </p:cNvPr>
-          <p:cNvPicPr>
-            <a:picLocks noChangeAspect="1"/>
-          </p:cNvPicPr>
-          <p:nvPr/>
-        </p:nvPicPr>
-        <p:blipFill>
-          <a:blip r:embed="rId14"/>
-          <a:stretch>
-            <a:fillRect/>
-          </a:stretch>
-        </p:blipFill>
-        <p:spPr>
-          <a:xfrm>
-            <a:off x="8747757" y="2668962"/>
-            <a:ext cx="1035621" cy="796632"/>
-          </a:xfrm>
-          <a:prstGeom prst="rect">
-            <a:avLst/>
-          </a:prstGeom>
-        </p:spPr>
-      </p:pic>
       <p:sp>
         <p:nvSpPr>
           <p:cNvPr id="46" name="Rectangle: Rounded Corners 45">
@@ -5764,7 +5734,7 @@
           <p:nvPr/>
         </p:nvPicPr>
         <p:blipFill>
-          <a:blip r:embed="rId15"/>
+          <a:blip r:embed="rId14"/>
           <a:stretch>
             <a:fillRect/>
           </a:stretch>
@@ -5865,7 +5835,7 @@
           <p:nvPr/>
         </p:nvPicPr>
         <p:blipFill>
-          <a:blip r:embed="rId16"/>
+          <a:blip r:embed="rId15"/>
           <a:stretch>
             <a:fillRect/>
           </a:stretch>
@@ -5963,6 +5933,42 @@
             <a:extLst>
               <a:ext uri="{FF2B5EF4-FFF2-40B4-BE49-F238E27FC236}">
                 <a16:creationId xmlns:a16="http://schemas.microsoft.com/office/drawing/2014/main" id="{194B637E-0132-4BA7-70FE-1C0B5128E587}"/>
+              </a:ext>
+            </a:extLst>
+          </p:cNvPr>
+          <p:cNvPicPr>
+            <a:picLocks noChangeAspect="1"/>
+          </p:cNvPicPr>
+          <p:nvPr/>
+        </p:nvPicPr>
+        <p:blipFill>
+          <a:blip r:embed="rId16">
+            <a:extLst>
+              <a:ext uri="{28A0092B-C50C-407E-A947-70E740481C1C}">
+                <a14:useLocalDpi xmlns:a14="http://schemas.microsoft.com/office/drawing/2010/main" val="0"/>
+              </a:ext>
+            </a:extLst>
+          </a:blip>
+          <a:stretch>
+            <a:fillRect/>
+          </a:stretch>
+        </p:blipFill>
+        <p:spPr>
+          <a:xfrm>
+            <a:off x="9988493" y="5511539"/>
+            <a:ext cx="470950" cy="627631"/>
+          </a:xfrm>
+          <a:prstGeom prst="rect">
+            <a:avLst/>
+          </a:prstGeom>
+        </p:spPr>
+      </p:pic>
+      <p:pic>
+        <p:nvPicPr>
+          <p:cNvPr id="28" name="Рисунок 27">
+            <a:extLst>
+              <a:ext uri="{FF2B5EF4-FFF2-40B4-BE49-F238E27FC236}">
+                <a16:creationId xmlns:a16="http://schemas.microsoft.com/office/drawing/2014/main" id="{C9270D8E-7AF3-48BA-ECBE-B8B77BD13184}"/>
               </a:ext>
             </a:extLst>
           </p:cNvPr>
@@ -5973,42 +5979,6 @@
         </p:nvPicPr>
         <p:blipFill>
           <a:blip r:embed="rId17">
-            <a:extLst>
-              <a:ext uri="{28A0092B-C50C-407E-A947-70E740481C1C}">
-                <a14:useLocalDpi xmlns:a14="http://schemas.microsoft.com/office/drawing/2010/main" val="0"/>
-              </a:ext>
-            </a:extLst>
-          </a:blip>
-          <a:stretch>
-            <a:fillRect/>
-          </a:stretch>
-        </p:blipFill>
-        <p:spPr>
-          <a:xfrm>
-            <a:off x="9988493" y="5511539"/>
-            <a:ext cx="470950" cy="627631"/>
-          </a:xfrm>
-          <a:prstGeom prst="rect">
-            <a:avLst/>
-          </a:prstGeom>
-        </p:spPr>
-      </p:pic>
-      <p:pic>
-        <p:nvPicPr>
-          <p:cNvPr id="28" name="Рисунок 27">
-            <a:extLst>
-              <a:ext uri="{FF2B5EF4-FFF2-40B4-BE49-F238E27FC236}">
-                <a16:creationId xmlns:a16="http://schemas.microsoft.com/office/drawing/2014/main" id="{C9270D8E-7AF3-48BA-ECBE-B8B77BD13184}"/>
-              </a:ext>
-            </a:extLst>
-          </p:cNvPr>
-          <p:cNvPicPr>
-            <a:picLocks noChangeAspect="1"/>
-          </p:cNvPicPr>
-          <p:nvPr/>
-        </p:nvPicPr>
-        <p:blipFill>
-          <a:blip r:embed="rId18">
             <a:extLst>
               <a:ext uri="{28A0092B-C50C-407E-A947-70E740481C1C}">
                 <a14:useLocalDpi xmlns:a14="http://schemas.microsoft.com/office/drawing/2010/main" val="0"/>
@@ -6114,12 +6084,12 @@
           <a:graphicData uri="http://schemas.openxmlformats.org/presentationml/2006/ole">
             <mc:AlternateContent xmlns:mc="http://schemas.openxmlformats.org/markup-compatibility/2006">
               <mc:Choice xmlns:v="urn:schemas-microsoft-com:vml" Requires="v">
-                <p:oleObj name="Equation" r:id="rId19" imgW="203040" imgH="203040" progId="Equation.DSMT4">
+                <p:oleObj name="Equation" r:id="rId18" imgW="203040" imgH="203040" progId="Equation.DSMT4">
                   <p:embed/>
                 </p:oleObj>
               </mc:Choice>
               <mc:Fallback>
-                <p:oleObj name="Equation" r:id="rId19" imgW="203040" imgH="203040" progId="Equation.DSMT4">
+                <p:oleObj name="Equation" r:id="rId18" imgW="203040" imgH="203040" progId="Equation.DSMT4">
                   <p:embed/>
                   <p:pic>
                     <p:nvPicPr>
@@ -6128,7 +6098,7 @@
                       <p:nvPr/>
                     </p:nvPicPr>
                     <p:blipFill>
-                      <a:blip r:embed="rId20"/>
+                      <a:blip r:embed="rId19"/>
                       <a:stretch>
                         <a:fillRect/>
                       </a:stretch>
@@ -6576,12 +6546,12 @@
           <a:graphicData uri="http://schemas.openxmlformats.org/presentationml/2006/ole">
             <mc:AlternateContent xmlns:mc="http://schemas.openxmlformats.org/markup-compatibility/2006">
               <mc:Choice xmlns:v="urn:schemas-microsoft-com:vml" Requires="v">
-                <p:oleObj name="Equation" r:id="rId21" imgW="228600" imgH="203040" progId="Equation.DSMT4">
+                <p:oleObj name="Equation" r:id="rId20" imgW="228600" imgH="203040" progId="Equation.DSMT4">
                   <p:embed/>
                 </p:oleObj>
               </mc:Choice>
               <mc:Fallback>
-                <p:oleObj name="Equation" r:id="rId21" imgW="228600" imgH="203040" progId="Equation.DSMT4">
+                <p:oleObj name="Equation" r:id="rId20" imgW="228600" imgH="203040" progId="Equation.DSMT4">
                   <p:embed/>
                   <p:pic>
                     <p:nvPicPr>
@@ -6596,7 +6566,7 @@
                       <p:nvPr/>
                     </p:nvPicPr>
                     <p:blipFill>
-                      <a:blip r:embed="rId22"/>
+                      <a:blip r:embed="rId21"/>
                       <a:stretch>
                         <a:fillRect/>
                       </a:stretch>
@@ -6645,12 +6615,12 @@
           <a:graphicData uri="http://schemas.openxmlformats.org/presentationml/2006/ole">
             <mc:AlternateContent xmlns:mc="http://schemas.openxmlformats.org/markup-compatibility/2006">
               <mc:Choice xmlns:v="urn:schemas-microsoft-com:vml" Requires="v">
-                <p:oleObj name="Equation" r:id="rId23" imgW="152280" imgH="203040" progId="Equation.DSMT4">
+                <p:oleObj name="Equation" r:id="rId22" imgW="152280" imgH="203040" progId="Equation.DSMT4">
                   <p:embed/>
                 </p:oleObj>
               </mc:Choice>
               <mc:Fallback>
-                <p:oleObj name="Equation" r:id="rId23" imgW="152280" imgH="203040" progId="Equation.DSMT4">
+                <p:oleObj name="Equation" r:id="rId22" imgW="152280" imgH="203040" progId="Equation.DSMT4">
                   <p:embed/>
                   <p:pic>
                     <p:nvPicPr>
@@ -6665,7 +6635,7 @@
                       <p:nvPr/>
                     </p:nvPicPr>
                     <p:blipFill>
-                      <a:blip r:embed="rId24"/>
+                      <a:blip r:embed="rId23"/>
                       <a:stretch>
                         <a:fillRect/>
                       </a:stretch>
@@ -6714,12 +6684,12 @@
           <a:graphicData uri="http://schemas.openxmlformats.org/presentationml/2006/ole">
             <mc:AlternateContent xmlns:mc="http://schemas.openxmlformats.org/markup-compatibility/2006">
               <mc:Choice xmlns:v="urn:schemas-microsoft-com:vml" Requires="v">
-                <p:oleObj name="Equation" r:id="rId25" imgW="215640" imgH="203040" progId="Equation.DSMT4">
+                <p:oleObj name="Equation" r:id="rId24" imgW="215640" imgH="203040" progId="Equation.DSMT4">
                   <p:embed/>
                 </p:oleObj>
               </mc:Choice>
               <mc:Fallback>
-                <p:oleObj name="Equation" r:id="rId25" imgW="215640" imgH="203040" progId="Equation.DSMT4">
+                <p:oleObj name="Equation" r:id="rId24" imgW="215640" imgH="203040" progId="Equation.DSMT4">
                   <p:embed/>
                   <p:pic>
                     <p:nvPicPr>
@@ -6734,7 +6704,7 @@
                       <p:nvPr/>
                     </p:nvPicPr>
                     <p:blipFill>
-                      <a:blip r:embed="rId26"/>
+                      <a:blip r:embed="rId25"/>
                       <a:stretch>
                         <a:fillRect/>
                       </a:stretch>
@@ -6783,12 +6753,12 @@
           <a:graphicData uri="http://schemas.openxmlformats.org/presentationml/2006/ole">
             <mc:AlternateContent xmlns:mc="http://schemas.openxmlformats.org/markup-compatibility/2006">
               <mc:Choice xmlns:v="urn:schemas-microsoft-com:vml" Requires="v">
-                <p:oleObj name="Equation" r:id="rId27" imgW="393480" imgH="203040" progId="Equation.DSMT4">
+                <p:oleObj name="Equation" r:id="rId26" imgW="393480" imgH="203040" progId="Equation.DSMT4">
                   <p:embed/>
                 </p:oleObj>
               </mc:Choice>
               <mc:Fallback>
-                <p:oleObj name="Equation" r:id="rId27" imgW="393480" imgH="203040" progId="Equation.DSMT4">
+                <p:oleObj name="Equation" r:id="rId26" imgW="393480" imgH="203040" progId="Equation.DSMT4">
                   <p:embed/>
                   <p:pic>
                     <p:nvPicPr>
@@ -6803,7 +6773,7 @@
                       <p:nvPr/>
                     </p:nvPicPr>
                     <p:blipFill>
-                      <a:blip r:embed="rId28"/>
+                      <a:blip r:embed="rId27"/>
                       <a:stretch>
                         <a:fillRect/>
                       </a:stretch>
@@ -6852,12 +6822,12 @@
           <a:graphicData uri="http://schemas.openxmlformats.org/presentationml/2006/ole">
             <mc:AlternateContent xmlns:mc="http://schemas.openxmlformats.org/markup-compatibility/2006">
               <mc:Choice xmlns:v="urn:schemas-microsoft-com:vml" Requires="v">
-                <p:oleObj name="Equation" r:id="rId29" imgW="304560" imgH="215640" progId="Equation.DSMT4">
+                <p:oleObj name="Equation" r:id="rId28" imgW="304560" imgH="215640" progId="Equation.DSMT4">
                   <p:embed/>
                 </p:oleObj>
               </mc:Choice>
               <mc:Fallback>
-                <p:oleObj name="Equation" r:id="rId29" imgW="304560" imgH="215640" progId="Equation.DSMT4">
+                <p:oleObj name="Equation" r:id="rId28" imgW="304560" imgH="215640" progId="Equation.DSMT4">
                   <p:embed/>
                   <p:pic>
                     <p:nvPicPr>
@@ -6872,7 +6842,7 @@
                       <p:nvPr/>
                     </p:nvPicPr>
                     <p:blipFill>
-                      <a:blip r:embed="rId30"/>
+                      <a:blip r:embed="rId29"/>
                       <a:stretch>
                         <a:fillRect/>
                       </a:stretch>
@@ -6921,12 +6891,12 @@
           <a:graphicData uri="http://schemas.openxmlformats.org/presentationml/2006/ole">
             <mc:AlternateContent xmlns:mc="http://schemas.openxmlformats.org/markup-compatibility/2006">
               <mc:Choice xmlns:v="urn:schemas-microsoft-com:vml" Requires="v">
-                <p:oleObj name="Equation" r:id="rId31" imgW="190440" imgH="228600" progId="Equation.DSMT4">
+                <p:oleObj name="Equation" r:id="rId30" imgW="190440" imgH="228600" progId="Equation.DSMT4">
                   <p:embed/>
                 </p:oleObj>
               </mc:Choice>
               <mc:Fallback>
-                <p:oleObj name="Equation" r:id="rId31" imgW="190440" imgH="228600" progId="Equation.DSMT4">
+                <p:oleObj name="Equation" r:id="rId30" imgW="190440" imgH="228600" progId="Equation.DSMT4">
                   <p:embed/>
                   <p:pic>
                     <p:nvPicPr>
@@ -6941,7 +6911,7 @@
                       <p:nvPr/>
                     </p:nvPicPr>
                     <p:blipFill>
-                      <a:blip r:embed="rId32"/>
+                      <a:blip r:embed="rId31"/>
                       <a:stretch>
                         <a:fillRect/>
                       </a:stretch>
@@ -6990,12 +6960,12 @@
           <a:graphicData uri="http://schemas.openxmlformats.org/presentationml/2006/ole">
             <mc:AlternateContent xmlns:mc="http://schemas.openxmlformats.org/markup-compatibility/2006">
               <mc:Choice xmlns:v="urn:schemas-microsoft-com:vml" Requires="v">
-                <p:oleObj name="Equation" r:id="rId33" imgW="152280" imgH="164880" progId="Equation.DSMT4">
+                <p:oleObj name="Equation" r:id="rId32" imgW="152280" imgH="164880" progId="Equation.DSMT4">
                   <p:embed/>
                 </p:oleObj>
               </mc:Choice>
               <mc:Fallback>
-                <p:oleObj name="Equation" r:id="rId33" imgW="152280" imgH="164880" progId="Equation.DSMT4">
+                <p:oleObj name="Equation" r:id="rId32" imgW="152280" imgH="164880" progId="Equation.DSMT4">
                   <p:embed/>
                   <p:pic>
                     <p:nvPicPr>
@@ -7010,7 +6980,7 @@
                       <p:nvPr/>
                     </p:nvPicPr>
                     <p:blipFill>
-                      <a:blip r:embed="rId34"/>
+                      <a:blip r:embed="rId33"/>
                       <a:stretch>
                         <a:fillRect/>
                       </a:stretch>
@@ -7046,7 +7016,7 @@
           <p:nvPr/>
         </p:nvPicPr>
         <p:blipFill>
-          <a:blip r:embed="rId35">
+          <a:blip r:embed="rId34">
             <a:extLst>
               <a:ext uri="{28A0092B-C50C-407E-A947-70E740481C1C}">
                 <a14:useLocalDpi xmlns:a14="http://schemas.microsoft.com/office/drawing/2010/main" val="0"/>
@@ -7061,6 +7031,36 @@
           <a:xfrm>
             <a:off x="1044577" y="3329151"/>
             <a:ext cx="962559" cy="445986"/>
+          </a:xfrm>
+          <a:prstGeom prst="rect">
+            <a:avLst/>
+          </a:prstGeom>
+        </p:spPr>
+      </p:pic>
+      <p:pic>
+        <p:nvPicPr>
+          <p:cNvPr id="3" name="Рисунок 2">
+            <a:extLst>
+              <a:ext uri="{FF2B5EF4-FFF2-40B4-BE49-F238E27FC236}">
+                <a16:creationId xmlns:a16="http://schemas.microsoft.com/office/drawing/2014/main" id="{E08CD8A0-DC98-9F4F-47E8-C3F1D09E5845}"/>
+              </a:ext>
+            </a:extLst>
+          </p:cNvPr>
+          <p:cNvPicPr>
+            <a:picLocks noChangeAspect="1"/>
+          </p:cNvPicPr>
+          <p:nvPr/>
+        </p:nvPicPr>
+        <p:blipFill>
+          <a:blip r:embed="rId35"/>
+          <a:stretch>
+            <a:fillRect/>
+          </a:stretch>
+        </p:blipFill>
+        <p:spPr>
+          <a:xfrm>
+            <a:off x="8730920" y="2663983"/>
+            <a:ext cx="1079721" cy="784451"/>
           </a:xfrm>
           <a:prstGeom prst="rect">
             <a:avLst/>

--- a/2024/pss_a/MSP-Latex-Template/Figs/New.pptx
+++ b/2024/pss_a/MSP-Latex-Template/Figs/New.pptx
@@ -5,8 +5,7 @@
     <p:sldMasterId id="2147483648" r:id="rId1"/>
   </p:sldMasterIdLst>
   <p:sldIdLst>
-    <p:sldId id="256" r:id="rId2"/>
-    <p:sldId id="257" r:id="rId3"/>
+    <p:sldId id="257" r:id="rId2"/>
   </p:sldIdLst>
   <p:sldSz cx="12192000" cy="6858000"/>
   <p:notesSz cx="6858000" cy="9144000"/>
@@ -262,7 +261,7 @@
           <a:p>
             <a:fld id="{3D1CAED6-1CB0-4158-A97B-4DA3BE2D9695}" type="datetimeFigureOut">
               <a:rPr lang="ru-UA" smtClean="0"/>
-              <a:t>09.04.2024</a:t>
+              <a:t>06.06.2024</a:t>
             </a:fld>
             <a:endParaRPr lang="ru-UA"/>
           </a:p>
@@ -462,7 +461,7 @@
           <a:p>
             <a:fld id="{3D1CAED6-1CB0-4158-A97B-4DA3BE2D9695}" type="datetimeFigureOut">
               <a:rPr lang="ru-UA" smtClean="0"/>
-              <a:t>09.04.2024</a:t>
+              <a:t>06.06.2024</a:t>
             </a:fld>
             <a:endParaRPr lang="ru-UA"/>
           </a:p>
@@ -672,7 +671,7 @@
           <a:p>
             <a:fld id="{3D1CAED6-1CB0-4158-A97B-4DA3BE2D9695}" type="datetimeFigureOut">
               <a:rPr lang="ru-UA" smtClean="0"/>
-              <a:t>09.04.2024</a:t>
+              <a:t>06.06.2024</a:t>
             </a:fld>
             <a:endParaRPr lang="ru-UA"/>
           </a:p>
@@ -872,7 +871,7 @@
           <a:p>
             <a:fld id="{3D1CAED6-1CB0-4158-A97B-4DA3BE2D9695}" type="datetimeFigureOut">
               <a:rPr lang="ru-UA" smtClean="0"/>
-              <a:t>09.04.2024</a:t>
+              <a:t>06.06.2024</a:t>
             </a:fld>
             <a:endParaRPr lang="ru-UA"/>
           </a:p>
@@ -1148,7 +1147,7 @@
           <a:p>
             <a:fld id="{3D1CAED6-1CB0-4158-A97B-4DA3BE2D9695}" type="datetimeFigureOut">
               <a:rPr lang="ru-UA" smtClean="0"/>
-              <a:t>09.04.2024</a:t>
+              <a:t>06.06.2024</a:t>
             </a:fld>
             <a:endParaRPr lang="ru-UA"/>
           </a:p>
@@ -1416,7 +1415,7 @@
           <a:p>
             <a:fld id="{3D1CAED6-1CB0-4158-A97B-4DA3BE2D9695}" type="datetimeFigureOut">
               <a:rPr lang="ru-UA" smtClean="0"/>
-              <a:t>09.04.2024</a:t>
+              <a:t>06.06.2024</a:t>
             </a:fld>
             <a:endParaRPr lang="ru-UA"/>
           </a:p>
@@ -1831,7 +1830,7 @@
           <a:p>
             <a:fld id="{3D1CAED6-1CB0-4158-A97B-4DA3BE2D9695}" type="datetimeFigureOut">
               <a:rPr lang="ru-UA" smtClean="0"/>
-              <a:t>09.04.2024</a:t>
+              <a:t>06.06.2024</a:t>
             </a:fld>
             <a:endParaRPr lang="ru-UA"/>
           </a:p>
@@ -1973,7 +1972,7 @@
           <a:p>
             <a:fld id="{3D1CAED6-1CB0-4158-A97B-4DA3BE2D9695}" type="datetimeFigureOut">
               <a:rPr lang="ru-UA" smtClean="0"/>
-              <a:t>09.04.2024</a:t>
+              <a:t>06.06.2024</a:t>
             </a:fld>
             <a:endParaRPr lang="ru-UA"/>
           </a:p>
@@ -2086,7 +2085,7 @@
           <a:p>
             <a:fld id="{3D1CAED6-1CB0-4158-A97B-4DA3BE2D9695}" type="datetimeFigureOut">
               <a:rPr lang="ru-UA" smtClean="0"/>
-              <a:t>09.04.2024</a:t>
+              <a:t>06.06.2024</a:t>
             </a:fld>
             <a:endParaRPr lang="ru-UA"/>
           </a:p>
@@ -2399,7 +2398,7 @@
           <a:p>
             <a:fld id="{3D1CAED6-1CB0-4158-A97B-4DA3BE2D9695}" type="datetimeFigureOut">
               <a:rPr lang="ru-UA" smtClean="0"/>
-              <a:t>09.04.2024</a:t>
+              <a:t>06.06.2024</a:t>
             </a:fld>
             <a:endParaRPr lang="ru-UA"/>
           </a:p>
@@ -2688,7 +2687,7 @@
           <a:p>
             <a:fld id="{3D1CAED6-1CB0-4158-A97B-4DA3BE2D9695}" type="datetimeFigureOut">
               <a:rPr lang="ru-UA" smtClean="0"/>
-              <a:t>09.04.2024</a:t>
+              <a:t>06.06.2024</a:t>
             </a:fld>
             <a:endParaRPr lang="ru-UA"/>
           </a:p>
@@ -2931,7 +2930,7 @@
           <a:p>
             <a:fld id="{3D1CAED6-1CB0-4158-A97B-4DA3BE2D9695}" type="datetimeFigureOut">
               <a:rPr lang="ru-UA" smtClean="0"/>
-              <a:t>09.04.2024</a:t>
+              <a:t>06.06.2024</a:t>
             </a:fld>
             <a:endParaRPr lang="ru-UA"/>
           </a:p>
@@ -3348,334 +3347,12 @@
           <a:chExt cx="0" cy="0"/>
         </a:xfrm>
       </p:grpSpPr>
-      <p:pic>
-        <p:nvPicPr>
-          <p:cNvPr id="7" name="Рисунок 6">
-            <a:extLst>
-              <a:ext uri="{FF2B5EF4-FFF2-40B4-BE49-F238E27FC236}">
-                <a16:creationId xmlns:a16="http://schemas.microsoft.com/office/drawing/2014/main" id="{DAD253AD-8067-685D-C50B-8EC8FD001A15}"/>
-              </a:ext>
-            </a:extLst>
-          </p:cNvPr>
-          <p:cNvPicPr>
-            <a:picLocks noChangeAspect="1"/>
-          </p:cNvPicPr>
-          <p:nvPr/>
-        </p:nvPicPr>
-        <p:blipFill>
-          <a:blip r:embed="rId2">
-            <a:extLst>
-              <a:ext uri="{28A0092B-C50C-407E-A947-70E740481C1C}">
-                <a14:useLocalDpi xmlns:a14="http://schemas.microsoft.com/office/drawing/2010/main" val="0"/>
-              </a:ext>
-            </a:extLst>
-          </a:blip>
-          <a:stretch>
-            <a:fillRect/>
-          </a:stretch>
-        </p:blipFill>
-        <p:spPr>
-          <a:xfrm>
-            <a:off x="727068" y="662316"/>
-            <a:ext cx="1270052" cy="923887"/>
-          </a:xfrm>
-          <a:prstGeom prst="rect">
-            <a:avLst/>
-          </a:prstGeom>
-        </p:spPr>
-      </p:pic>
-      <p:pic>
-        <p:nvPicPr>
-          <p:cNvPr id="9" name="Рисунок 8">
-            <a:extLst>
-              <a:ext uri="{FF2B5EF4-FFF2-40B4-BE49-F238E27FC236}">
-                <a16:creationId xmlns:a16="http://schemas.microsoft.com/office/drawing/2014/main" id="{76333AED-0C8E-DBD6-2A96-123F53BBF643}"/>
-              </a:ext>
-            </a:extLst>
-          </p:cNvPr>
-          <p:cNvPicPr>
-            <a:picLocks noChangeAspect="1"/>
-          </p:cNvPicPr>
-          <p:nvPr/>
-        </p:nvPicPr>
-        <p:blipFill>
-          <a:blip r:embed="rId3">
-            <a:extLst>
-              <a:ext uri="{28A0092B-C50C-407E-A947-70E740481C1C}">
-                <a14:useLocalDpi xmlns:a14="http://schemas.microsoft.com/office/drawing/2010/main" val="0"/>
-              </a:ext>
-            </a:extLst>
-          </a:blip>
-          <a:stretch>
-            <a:fillRect/>
-          </a:stretch>
-        </p:blipFill>
-        <p:spPr>
-          <a:xfrm>
-            <a:off x="764719" y="1618883"/>
-            <a:ext cx="632996" cy="641356"/>
-          </a:xfrm>
-          <a:prstGeom prst="rect">
-            <a:avLst/>
-          </a:prstGeom>
-        </p:spPr>
-      </p:pic>
-      <p:pic>
-        <p:nvPicPr>
-          <p:cNvPr id="10" name="Рисунок 9">
-            <a:extLst>
-              <a:ext uri="{FF2B5EF4-FFF2-40B4-BE49-F238E27FC236}">
-                <a16:creationId xmlns:a16="http://schemas.microsoft.com/office/drawing/2014/main" id="{382E60D7-77F8-05A1-E55C-0ADAC02CE744}"/>
-              </a:ext>
-            </a:extLst>
-          </p:cNvPr>
-          <p:cNvPicPr>
-            <a:picLocks noChangeAspect="1"/>
-          </p:cNvPicPr>
-          <p:nvPr/>
-        </p:nvPicPr>
-        <p:blipFill>
-          <a:blip r:embed="rId4"/>
-          <a:stretch>
-            <a:fillRect/>
-          </a:stretch>
-        </p:blipFill>
-        <p:spPr>
-          <a:xfrm>
-            <a:off x="1582782" y="1763348"/>
-            <a:ext cx="414338" cy="352425"/>
-          </a:xfrm>
-          <a:prstGeom prst="rect">
-            <a:avLst/>
-          </a:prstGeom>
-        </p:spPr>
-      </p:pic>
-      <p:pic>
-        <p:nvPicPr>
-          <p:cNvPr id="11" name="Рисунок 10">
-            <a:extLst>
-              <a:ext uri="{FF2B5EF4-FFF2-40B4-BE49-F238E27FC236}">
-                <a16:creationId xmlns:a16="http://schemas.microsoft.com/office/drawing/2014/main" id="{54DA6457-9D2C-66EE-F218-61B702FE342E}"/>
-              </a:ext>
-            </a:extLst>
-          </p:cNvPr>
-          <p:cNvPicPr>
-            <a:picLocks noChangeAspect="1"/>
-          </p:cNvPicPr>
-          <p:nvPr/>
-        </p:nvPicPr>
-        <p:blipFill>
-          <a:blip r:embed="rId5"/>
-          <a:stretch>
-            <a:fillRect/>
-          </a:stretch>
-        </p:blipFill>
-        <p:spPr>
-          <a:xfrm>
-            <a:off x="2297350" y="812199"/>
-            <a:ext cx="1593157" cy="1127361"/>
-          </a:xfrm>
-          <a:prstGeom prst="rect">
-            <a:avLst/>
-          </a:prstGeom>
-        </p:spPr>
-      </p:pic>
-      <p:sp>
-        <p:nvSpPr>
-          <p:cNvPr id="12" name="TextBox 11">
-            <a:extLst>
-              <a:ext uri="{FF2B5EF4-FFF2-40B4-BE49-F238E27FC236}">
-                <a16:creationId xmlns:a16="http://schemas.microsoft.com/office/drawing/2014/main" id="{A73DBFEF-31B9-4824-49CB-4913E426C057}"/>
-              </a:ext>
-            </a:extLst>
-          </p:cNvPr>
-          <p:cNvSpPr txBox="1"/>
-          <p:nvPr/>
-        </p:nvSpPr>
-        <p:spPr>
-          <a:xfrm>
-            <a:off x="2454714" y="1802338"/>
-            <a:ext cx="1278427" cy="523220"/>
-          </a:xfrm>
-          <a:prstGeom prst="rect">
-            <a:avLst/>
-          </a:prstGeom>
-          <a:noFill/>
-        </p:spPr>
-        <p:txBody>
-          <a:bodyPr wrap="none" rtlCol="0">
-            <a:spAutoFit/>
-          </a:bodyPr>
-          <a:lstStyle/>
-          <a:p>
-            <a:r>
-              <a:rPr lang="en-US" sz="2800" b="1" dirty="0"/>
-              <a:t>voltage</a:t>
-            </a:r>
-            <a:endParaRPr lang="ru-UA" sz="2800" b="1" dirty="0"/>
-          </a:p>
-        </p:txBody>
-      </p:sp>
-      <p:sp>
-        <p:nvSpPr>
-          <p:cNvPr id="13" name="TextBox 12">
-            <a:extLst>
-              <a:ext uri="{FF2B5EF4-FFF2-40B4-BE49-F238E27FC236}">
-                <a16:creationId xmlns:a16="http://schemas.microsoft.com/office/drawing/2014/main" id="{1A1BA00D-B3AB-A340-03A7-83DD375273A9}"/>
-              </a:ext>
-            </a:extLst>
-          </p:cNvPr>
-          <p:cNvSpPr txBox="1"/>
-          <p:nvPr/>
-        </p:nvSpPr>
-        <p:spPr>
-          <a:xfrm>
-            <a:off x="1831384" y="784371"/>
-            <a:ext cx="615553" cy="1183016"/>
-          </a:xfrm>
-          <a:prstGeom prst="rect">
-            <a:avLst/>
-          </a:prstGeom>
-          <a:noFill/>
-        </p:spPr>
-        <p:txBody>
-          <a:bodyPr vert="vert270" wrap="none" rtlCol="0">
-            <a:spAutoFit/>
-          </a:bodyPr>
-          <a:lstStyle/>
-          <a:p>
-            <a:r>
-              <a:rPr lang="en-US" sz="2800" b="1" dirty="0"/>
-              <a:t>current</a:t>
-            </a:r>
-            <a:endParaRPr lang="ru-UA" sz="2800" b="1" dirty="0"/>
-          </a:p>
-        </p:txBody>
-      </p:sp>
-      <p:pic>
-        <p:nvPicPr>
-          <p:cNvPr id="14" name="Рисунок 13">
-            <a:extLst>
-              <a:ext uri="{FF2B5EF4-FFF2-40B4-BE49-F238E27FC236}">
-                <a16:creationId xmlns:a16="http://schemas.microsoft.com/office/drawing/2014/main" id="{F2A8039D-BA7E-AB7E-78DE-49CAD3364707}"/>
-              </a:ext>
-            </a:extLst>
-          </p:cNvPr>
-          <p:cNvPicPr>
-            <a:picLocks noChangeAspect="1"/>
-          </p:cNvPicPr>
-          <p:nvPr/>
-        </p:nvPicPr>
-        <p:blipFill>
-          <a:blip r:embed="rId6"/>
-          <a:stretch>
-            <a:fillRect/>
-          </a:stretch>
-        </p:blipFill>
-        <p:spPr>
-          <a:xfrm>
-            <a:off x="3988270" y="4456002"/>
-            <a:ext cx="2169544" cy="1524919"/>
-          </a:xfrm>
-          <a:prstGeom prst="rect">
-            <a:avLst/>
-          </a:prstGeom>
-        </p:spPr>
-      </p:pic>
-      <p:sp>
-        <p:nvSpPr>
-          <p:cNvPr id="15" name="TextBox 14">
-            <a:extLst>
-              <a:ext uri="{FF2B5EF4-FFF2-40B4-BE49-F238E27FC236}">
-                <a16:creationId xmlns:a16="http://schemas.microsoft.com/office/drawing/2014/main" id="{F7251AB0-3216-60D3-4DE3-BE3C9612ED6F}"/>
-              </a:ext>
-            </a:extLst>
-          </p:cNvPr>
-          <p:cNvSpPr txBox="1"/>
-          <p:nvPr/>
-        </p:nvSpPr>
-        <p:spPr>
-          <a:xfrm>
-            <a:off x="4713825" y="5868954"/>
-            <a:ext cx="870751" cy="523220"/>
-          </a:xfrm>
-          <a:prstGeom prst="rect">
-            <a:avLst/>
-          </a:prstGeom>
-          <a:noFill/>
-        </p:spPr>
-        <p:txBody>
-          <a:bodyPr wrap="none" rtlCol="0">
-            <a:spAutoFit/>
-          </a:bodyPr>
-          <a:lstStyle/>
-          <a:p>
-            <a:r>
-              <a:rPr lang="en-US" sz="2800" b="1" dirty="0"/>
-              <a:t>time</a:t>
-            </a:r>
-            <a:endParaRPr lang="ru-UA" sz="2800" b="1" dirty="0"/>
-          </a:p>
-        </p:txBody>
-      </p:sp>
-      <p:sp>
-        <p:nvSpPr>
-          <p:cNvPr id="16" name="TextBox 15">
-            <a:extLst>
-              <a:ext uri="{FF2B5EF4-FFF2-40B4-BE49-F238E27FC236}">
-                <a16:creationId xmlns:a16="http://schemas.microsoft.com/office/drawing/2014/main" id="{A4A4B41D-022D-3FB8-27B4-7D241F3242EA}"/>
-              </a:ext>
-            </a:extLst>
-          </p:cNvPr>
-          <p:cNvSpPr txBox="1"/>
-          <p:nvPr/>
-        </p:nvSpPr>
-        <p:spPr>
-          <a:xfrm>
-            <a:off x="3437403" y="4457003"/>
-            <a:ext cx="676275" cy="1532278"/>
-          </a:xfrm>
-          <a:prstGeom prst="rect">
-            <a:avLst/>
-          </a:prstGeom>
-          <a:noFill/>
-        </p:spPr>
-        <p:txBody>
-          <a:bodyPr vert="vert270" wrap="none" rtlCol="0">
-            <a:spAutoFit/>
-          </a:bodyPr>
-          <a:lstStyle/>
-          <a:p>
-            <a:pPr algn="ctr">
-              <a:lnSpc>
-                <a:spcPts val="2000"/>
-              </a:lnSpc>
-            </a:pPr>
-            <a:r>
-              <a:rPr lang="en-US" sz="2400" b="1" dirty="0"/>
-              <a:t>shot-circuit</a:t>
-            </a:r>
-          </a:p>
-          <a:p>
-            <a:pPr algn="ctr">
-              <a:lnSpc>
-                <a:spcPts val="1600"/>
-              </a:lnSpc>
-            </a:pPr>
-            <a:r>
-              <a:rPr lang="en-US" sz="2400" b="1" dirty="0"/>
-              <a:t> current</a:t>
-            </a:r>
-            <a:endParaRPr lang="ru-UA" sz="2400" b="1" dirty="0"/>
-          </a:p>
-        </p:txBody>
-      </p:sp>
-      <p:sp>
-        <p:nvSpPr>
-          <p:cNvPr id="17" name="Стрелка: изогнутая вправо 16">
-            <a:extLst>
-              <a:ext uri="{FF2B5EF4-FFF2-40B4-BE49-F238E27FC236}">
-                <a16:creationId xmlns:a16="http://schemas.microsoft.com/office/drawing/2014/main" id="{2AB5B8AB-563F-639B-DD83-DF22B13C475C}"/>
+      <p:sp>
+        <p:nvSpPr>
+          <p:cNvPr id="53" name="Стрілка: угору 52">
+            <a:extLst>
+              <a:ext uri="{FF2B5EF4-FFF2-40B4-BE49-F238E27FC236}">
+                <a16:creationId xmlns:a16="http://schemas.microsoft.com/office/drawing/2014/main" id="{BADCA7EE-EEC3-C20D-CD21-01F6914E6917}"/>
               </a:ext>
             </a:extLst>
           </p:cNvPr>
@@ -3683,18 +3360,29 @@
           <p:nvPr/>
         </p:nvSpPr>
         <p:spPr>
-          <a:xfrm rot="19968842">
-            <a:off x="1499409" y="2214814"/>
-            <a:ext cx="1289803" cy="3698311"/>
-          </a:xfrm>
-          <a:prstGeom prst="curvedRightArrow">
-            <a:avLst/>
+          <a:xfrm>
+            <a:off x="9888440" y="1768999"/>
+            <a:ext cx="304091" cy="2902644"/>
+          </a:xfrm>
+          <a:prstGeom prst="upArrow">
+            <a:avLst>
+              <a:gd name="adj1" fmla="val 44219"/>
+              <a:gd name="adj2" fmla="val 63642"/>
+            </a:avLst>
           </a:prstGeom>
+          <a:solidFill>
+            <a:schemeClr val="bg1"/>
+          </a:solidFill>
+          <a:ln w="28575">
+            <a:solidFill>
+              <a:srgbClr val="4472C4"/>
+            </a:solidFill>
+          </a:ln>
         </p:spPr>
         <p:style>
           <a:lnRef idx="2">
             <a:schemeClr val="accent1">
-              <a:shade val="50000"/>
+              <a:shade val="15000"/>
             </a:schemeClr>
           </a:lnRef>
           <a:fillRef idx="1">
@@ -3712,705 +3400,10 @@
           <a:lstStyle/>
           <a:p>
             <a:pPr algn="ctr"/>
-            <a:endParaRPr lang="ru-UA">
-              <a:solidFill>
-                <a:schemeClr val="tx1"/>
-              </a:solidFill>
-            </a:endParaRPr>
-          </a:p>
-        </p:txBody>
-      </p:sp>
-      <p:sp>
-        <p:nvSpPr>
-          <p:cNvPr id="18" name="Овал 17">
-            <a:extLst>
-              <a:ext uri="{FF2B5EF4-FFF2-40B4-BE49-F238E27FC236}">
-                <a16:creationId xmlns:a16="http://schemas.microsoft.com/office/drawing/2014/main" id="{175CF8DC-4478-2DF0-293D-5787BB88987E}"/>
-              </a:ext>
-            </a:extLst>
-          </p:cNvPr>
-          <p:cNvSpPr/>
-          <p:nvPr/>
-        </p:nvSpPr>
-        <p:spPr>
-          <a:xfrm>
-            <a:off x="987683" y="3653114"/>
-            <a:ext cx="802888" cy="802888"/>
-          </a:xfrm>
-          <a:prstGeom prst="ellipse">
-            <a:avLst/>
-          </a:prstGeom>
-          <a:solidFill>
-            <a:schemeClr val="bg1"/>
-          </a:solidFill>
-          <a:ln w="38100">
-            <a:solidFill>
-              <a:srgbClr val="FF0000"/>
-            </a:solidFill>
-          </a:ln>
-        </p:spPr>
-        <p:style>
-          <a:lnRef idx="2">
-            <a:schemeClr val="accent1">
-              <a:shade val="50000"/>
-            </a:schemeClr>
-          </a:lnRef>
-          <a:fillRef idx="1">
-            <a:schemeClr val="accent1"/>
-          </a:fillRef>
-          <a:effectRef idx="0">
-            <a:schemeClr val="accent1"/>
-          </a:effectRef>
-          <a:fontRef idx="minor">
-            <a:schemeClr val="lt1"/>
-          </a:fontRef>
-        </p:style>
-        <p:txBody>
-          <a:bodyPr lIns="0" rIns="0" rtlCol="0" anchor="ctr"/>
-          <a:lstStyle/>
-          <a:p>
-            <a:pPr algn="ctr"/>
-            <a:r>
-              <a:rPr lang="en-US" sz="3200" b="1" dirty="0" err="1">
-                <a:solidFill>
-                  <a:srgbClr val="FF0000"/>
-                </a:solidFill>
-              </a:rPr>
-              <a:t>Isc</a:t>
-            </a:r>
-            <a:endParaRPr lang="ru-UA" sz="3200" b="1" dirty="0">
-              <a:solidFill>
-                <a:srgbClr val="FF0000"/>
-              </a:solidFill>
-            </a:endParaRPr>
-          </a:p>
-        </p:txBody>
-      </p:sp>
-      <p:pic>
-        <p:nvPicPr>
-          <p:cNvPr id="19" name="Рисунок 18">
-            <a:extLst>
-              <a:ext uri="{FF2B5EF4-FFF2-40B4-BE49-F238E27FC236}">
-                <a16:creationId xmlns:a16="http://schemas.microsoft.com/office/drawing/2014/main" id="{B14681CE-EA6A-8C7A-D5F6-4C93053653D6}"/>
-              </a:ext>
-            </a:extLst>
-          </p:cNvPr>
-          <p:cNvPicPr>
-            <a:picLocks noChangeAspect="1"/>
-          </p:cNvPicPr>
-          <p:nvPr/>
-        </p:nvPicPr>
-        <p:blipFill>
-          <a:blip r:embed="rId7"/>
-          <a:stretch>
-            <a:fillRect/>
-          </a:stretch>
-        </p:blipFill>
-        <p:spPr>
-          <a:xfrm>
-            <a:off x="5291715" y="1405048"/>
-            <a:ext cx="2408428" cy="1710381"/>
-          </a:xfrm>
-          <a:prstGeom prst="rect">
-            <a:avLst/>
-          </a:prstGeom>
-        </p:spPr>
-      </p:pic>
-      <p:sp>
-        <p:nvSpPr>
-          <p:cNvPr id="21" name="Стрелка: изогнутая вверх 20">
-            <a:extLst>
-              <a:ext uri="{FF2B5EF4-FFF2-40B4-BE49-F238E27FC236}">
-                <a16:creationId xmlns:a16="http://schemas.microsoft.com/office/drawing/2014/main" id="{A523345F-88F4-C5B7-DF64-ACFF71F9E22C}"/>
-              </a:ext>
-            </a:extLst>
-          </p:cNvPr>
-          <p:cNvSpPr/>
-          <p:nvPr/>
-        </p:nvSpPr>
-        <p:spPr>
-          <a:xfrm rot="17331870">
-            <a:off x="5956853" y="4029089"/>
-            <a:ext cx="1801671" cy="863600"/>
-          </a:xfrm>
-          <a:prstGeom prst="curvedUpArrow">
-            <a:avLst/>
-          </a:prstGeom>
-        </p:spPr>
-        <p:style>
-          <a:lnRef idx="2">
-            <a:schemeClr val="accent1">
-              <a:shade val="50000"/>
-            </a:schemeClr>
-          </a:lnRef>
-          <a:fillRef idx="1">
-            <a:schemeClr val="accent1"/>
-          </a:fillRef>
-          <a:effectRef idx="0">
-            <a:schemeClr val="accent1"/>
-          </a:effectRef>
-          <a:fontRef idx="minor">
-            <a:schemeClr val="lt1"/>
-          </a:fontRef>
-        </p:style>
-        <p:txBody>
-          <a:bodyPr rtlCol="0" anchor="ctr"/>
-          <a:lstStyle/>
-          <a:p>
-            <a:pPr algn="ctr"/>
-            <a:endParaRPr lang="ru-UA">
-              <a:solidFill>
-                <a:schemeClr val="tx1"/>
-              </a:solidFill>
-            </a:endParaRPr>
-          </a:p>
-        </p:txBody>
-      </p:sp>
-      <p:sp>
-        <p:nvSpPr>
-          <p:cNvPr id="22" name="TextBox 21">
-            <a:extLst>
-              <a:ext uri="{FF2B5EF4-FFF2-40B4-BE49-F238E27FC236}">
-                <a16:creationId xmlns:a16="http://schemas.microsoft.com/office/drawing/2014/main" id="{270F53BF-445F-E9F8-9442-3A9214D7FE4F}"/>
-              </a:ext>
-            </a:extLst>
-          </p:cNvPr>
-          <p:cNvSpPr txBox="1"/>
-          <p:nvPr/>
-        </p:nvSpPr>
-        <p:spPr>
-          <a:xfrm>
-            <a:off x="5307821" y="3053338"/>
-            <a:ext cx="2392322" cy="461665"/>
-          </a:xfrm>
-          <a:prstGeom prst="rect">
-            <a:avLst/>
-          </a:prstGeom>
-          <a:noFill/>
-        </p:spPr>
-        <p:txBody>
-          <a:bodyPr wrap="none" rtlCol="0">
-            <a:spAutoFit/>
-          </a:bodyPr>
-          <a:lstStyle/>
-          <a:p>
-            <a:r>
-              <a:rPr lang="en-US" sz="2400" b="1" dirty="0"/>
-              <a:t>Illumination time</a:t>
-            </a:r>
-            <a:endParaRPr lang="ru-UA" sz="2400" b="1" dirty="0"/>
-          </a:p>
-        </p:txBody>
-      </p:sp>
-      <p:sp>
-        <p:nvSpPr>
-          <p:cNvPr id="23" name="TextBox 22">
-            <a:extLst>
-              <a:ext uri="{FF2B5EF4-FFF2-40B4-BE49-F238E27FC236}">
-                <a16:creationId xmlns:a16="http://schemas.microsoft.com/office/drawing/2014/main" id="{FC26CAA8-09C3-4198-BB54-0EC6B9C7F0A9}"/>
-              </a:ext>
-            </a:extLst>
-          </p:cNvPr>
-          <p:cNvSpPr txBox="1"/>
-          <p:nvPr/>
-        </p:nvSpPr>
-        <p:spPr>
-          <a:xfrm>
-            <a:off x="4637504" y="1326585"/>
-            <a:ext cx="714747" cy="1867306"/>
-          </a:xfrm>
-          <a:prstGeom prst="rect">
-            <a:avLst/>
-          </a:prstGeom>
-          <a:noFill/>
-        </p:spPr>
-        <p:txBody>
-          <a:bodyPr vert="vert270" wrap="none" rtlCol="0">
-            <a:spAutoFit/>
-          </a:bodyPr>
-          <a:lstStyle/>
-          <a:p>
-            <a:pPr algn="ctr">
-              <a:lnSpc>
-                <a:spcPts val="2000"/>
-              </a:lnSpc>
-            </a:pPr>
-            <a:r>
-              <a:rPr lang="en-US" sz="2400" b="1" dirty="0"/>
-              <a:t>iron </a:t>
-            </a:r>
-          </a:p>
-          <a:p>
-            <a:pPr algn="ctr">
-              <a:lnSpc>
-                <a:spcPts val="2000"/>
-              </a:lnSpc>
-            </a:pPr>
-            <a:r>
-              <a:rPr lang="en-US" sz="2400" b="1" dirty="0"/>
-              <a:t>concentration</a:t>
-            </a:r>
-            <a:endParaRPr lang="ru-UA" sz="2400" b="1" dirty="0"/>
-          </a:p>
-        </p:txBody>
-      </p:sp>
-      <p:sp>
-        <p:nvSpPr>
-          <p:cNvPr id="24" name="Овал 23">
-            <a:extLst>
-              <a:ext uri="{FF2B5EF4-FFF2-40B4-BE49-F238E27FC236}">
-                <a16:creationId xmlns:a16="http://schemas.microsoft.com/office/drawing/2014/main" id="{5F6B55FE-5CBA-2989-21E8-4953A9384BA7}"/>
-              </a:ext>
-            </a:extLst>
-          </p:cNvPr>
-          <p:cNvSpPr>
-            <a:spLocks noChangeAspect="1"/>
-          </p:cNvSpPr>
-          <p:nvPr/>
-        </p:nvSpPr>
-        <p:spPr>
-          <a:xfrm>
-            <a:off x="6641896" y="4032866"/>
-            <a:ext cx="936000" cy="936000"/>
-          </a:xfrm>
-          <a:prstGeom prst="ellipse">
-            <a:avLst/>
-          </a:prstGeom>
-          <a:solidFill>
-            <a:schemeClr val="bg1"/>
-          </a:solidFill>
-          <a:ln w="38100">
-            <a:solidFill>
-              <a:srgbClr val="FF0000"/>
-            </a:solidFill>
-          </a:ln>
-        </p:spPr>
-        <p:style>
-          <a:lnRef idx="2">
-            <a:schemeClr val="accent1">
-              <a:shade val="50000"/>
-            </a:schemeClr>
-          </a:lnRef>
-          <a:fillRef idx="1">
-            <a:schemeClr val="accent1"/>
-          </a:fillRef>
-          <a:effectRef idx="0">
-            <a:schemeClr val="accent1"/>
-          </a:effectRef>
-          <a:fontRef idx="minor">
-            <a:schemeClr val="lt1"/>
-          </a:fontRef>
-        </p:style>
-        <p:txBody>
-          <a:bodyPr lIns="0" tIns="0" rIns="0" bIns="0" rtlCol="0" anchor="ctr"/>
-          <a:lstStyle/>
-          <a:p>
-            <a:pPr algn="ctr"/>
-            <a:r>
-              <a:rPr lang="en-US" sz="2800" b="1" dirty="0">
-                <a:solidFill>
-                  <a:srgbClr val="FF0000"/>
-                </a:solidFill>
-              </a:rPr>
-              <a:t>N</a:t>
-            </a:r>
-            <a:r>
-              <a:rPr lang="en-US" sz="2800" b="1" baseline="-25000" dirty="0">
-                <a:solidFill>
-                  <a:srgbClr val="FF0000"/>
-                </a:solidFill>
-              </a:rPr>
-              <a:t>Fe,0</a:t>
-            </a:r>
-            <a:endParaRPr lang="ru-UA" sz="2800" b="1" baseline="-25000" dirty="0">
-              <a:solidFill>
-                <a:srgbClr val="FF0000"/>
-              </a:solidFill>
-            </a:endParaRPr>
-          </a:p>
-        </p:txBody>
-      </p:sp>
-      <p:pic>
-        <p:nvPicPr>
-          <p:cNvPr id="25" name="Рисунок 24">
-            <a:extLst>
-              <a:ext uri="{FF2B5EF4-FFF2-40B4-BE49-F238E27FC236}">
-                <a16:creationId xmlns:a16="http://schemas.microsoft.com/office/drawing/2014/main" id="{28B2CAB9-0C4B-AAA0-2A38-358FD0BA53A6}"/>
-              </a:ext>
-            </a:extLst>
-          </p:cNvPr>
-          <p:cNvPicPr>
-            <a:picLocks noChangeAspect="1"/>
-          </p:cNvPicPr>
-          <p:nvPr/>
-        </p:nvPicPr>
-        <p:blipFill>
-          <a:blip r:embed="rId8"/>
-          <a:stretch>
-            <a:fillRect/>
-          </a:stretch>
-        </p:blipFill>
-        <p:spPr>
-          <a:xfrm>
-            <a:off x="9067209" y="3022827"/>
-            <a:ext cx="2455874" cy="1889134"/>
-          </a:xfrm>
-          <a:prstGeom prst="rect">
-            <a:avLst/>
-          </a:prstGeom>
-        </p:spPr>
-      </p:pic>
-      <p:sp>
-        <p:nvSpPr>
-          <p:cNvPr id="26" name="TextBox 25">
-            <a:extLst>
-              <a:ext uri="{FF2B5EF4-FFF2-40B4-BE49-F238E27FC236}">
-                <a16:creationId xmlns:a16="http://schemas.microsoft.com/office/drawing/2014/main" id="{F8F2EEA7-8DF4-6DC6-6B25-919E49307FA1}"/>
-              </a:ext>
-            </a:extLst>
-          </p:cNvPr>
-          <p:cNvSpPr txBox="1"/>
-          <p:nvPr/>
-        </p:nvSpPr>
-        <p:spPr>
-          <a:xfrm>
-            <a:off x="9006652" y="4879872"/>
-            <a:ext cx="2576988" cy="400110"/>
-          </a:xfrm>
-          <a:prstGeom prst="rect">
-            <a:avLst/>
-          </a:prstGeom>
-          <a:noFill/>
-        </p:spPr>
-        <p:txBody>
-          <a:bodyPr wrap="none" rtlCol="0">
-            <a:spAutoFit/>
-          </a:bodyPr>
-          <a:lstStyle/>
-          <a:p>
-            <a:r>
-              <a:rPr lang="en-US" sz="2000" b="1" dirty="0"/>
-              <a:t>carrier generation rate</a:t>
-            </a:r>
-            <a:endParaRPr lang="ru-UA" sz="2000" b="1" dirty="0"/>
-          </a:p>
-        </p:txBody>
-      </p:sp>
-      <p:sp>
-        <p:nvSpPr>
-          <p:cNvPr id="27" name="TextBox 26">
-            <a:extLst>
-              <a:ext uri="{FF2B5EF4-FFF2-40B4-BE49-F238E27FC236}">
-                <a16:creationId xmlns:a16="http://schemas.microsoft.com/office/drawing/2014/main" id="{8B598F3E-C124-A081-ADAB-69010305E14E}"/>
-              </a:ext>
-            </a:extLst>
-          </p:cNvPr>
-          <p:cNvSpPr txBox="1"/>
-          <p:nvPr/>
-        </p:nvSpPr>
-        <p:spPr>
-          <a:xfrm>
-            <a:off x="8608942" y="2940066"/>
-            <a:ext cx="458267" cy="2185599"/>
-          </a:xfrm>
-          <a:prstGeom prst="rect">
-            <a:avLst/>
-          </a:prstGeom>
-          <a:noFill/>
-        </p:spPr>
-        <p:txBody>
-          <a:bodyPr vert="vert270" wrap="none" rtlCol="0">
-            <a:spAutoFit/>
-          </a:bodyPr>
-          <a:lstStyle/>
-          <a:p>
-            <a:pPr algn="ctr">
-              <a:lnSpc>
-                <a:spcPts val="2000"/>
-              </a:lnSpc>
-            </a:pPr>
-            <a:r>
-              <a:rPr lang="en-US" sz="2400" b="1" dirty="0" err="1"/>
-              <a:t>dissosiation</a:t>
-            </a:r>
-            <a:r>
-              <a:rPr lang="en-US" sz="2400" b="1" dirty="0"/>
-              <a:t> rate</a:t>
-            </a:r>
-            <a:endParaRPr lang="ru-UA" sz="2400" b="1" dirty="0"/>
-          </a:p>
-        </p:txBody>
-      </p:sp>
-      <p:sp>
-        <p:nvSpPr>
-          <p:cNvPr id="28" name="Стрелка: изогнутая влево 27">
-            <a:extLst>
-              <a:ext uri="{FF2B5EF4-FFF2-40B4-BE49-F238E27FC236}">
-                <a16:creationId xmlns:a16="http://schemas.microsoft.com/office/drawing/2014/main" id="{71C1B1EB-D4FF-F2C7-A2C2-80A0D8F1DE17}"/>
-              </a:ext>
-            </a:extLst>
-          </p:cNvPr>
-          <p:cNvSpPr/>
-          <p:nvPr/>
-        </p:nvSpPr>
-        <p:spPr>
-          <a:xfrm rot="17847579">
-            <a:off x="8700347" y="608682"/>
-            <a:ext cx="987164" cy="2717410"/>
-          </a:xfrm>
-          <a:prstGeom prst="curvedLeftArrow">
-            <a:avLst/>
-          </a:prstGeom>
-        </p:spPr>
-        <p:style>
-          <a:lnRef idx="2">
-            <a:schemeClr val="accent1">
-              <a:shade val="50000"/>
-            </a:schemeClr>
-          </a:lnRef>
-          <a:fillRef idx="1">
-            <a:schemeClr val="accent1"/>
-          </a:fillRef>
-          <a:effectRef idx="0">
-            <a:schemeClr val="accent1"/>
-          </a:effectRef>
-          <a:fontRef idx="minor">
-            <a:schemeClr val="lt1"/>
-          </a:fontRef>
-        </p:style>
-        <p:txBody>
-          <a:bodyPr rtlCol="0" anchor="ctr"/>
-          <a:lstStyle/>
-          <a:p>
-            <a:pPr algn="ctr"/>
-            <a:endParaRPr lang="ru-UA">
-              <a:solidFill>
-                <a:schemeClr val="tx1"/>
-              </a:solidFill>
-            </a:endParaRPr>
-          </a:p>
-        </p:txBody>
-      </p:sp>
-      <p:sp>
-        <p:nvSpPr>
-          <p:cNvPr id="29" name="Овал 28">
-            <a:extLst>
-              <a:ext uri="{FF2B5EF4-FFF2-40B4-BE49-F238E27FC236}">
-                <a16:creationId xmlns:a16="http://schemas.microsoft.com/office/drawing/2014/main" id="{1A416142-89C9-0ACE-0542-7385BCDAE0EA}"/>
-              </a:ext>
-            </a:extLst>
-          </p:cNvPr>
-          <p:cNvSpPr>
-            <a:spLocks noChangeAspect="1"/>
-          </p:cNvSpPr>
-          <p:nvPr/>
-        </p:nvSpPr>
-        <p:spPr>
-          <a:xfrm>
-            <a:off x="9067209" y="1218018"/>
-            <a:ext cx="720000" cy="720000"/>
-          </a:xfrm>
-          <a:prstGeom prst="ellipse">
-            <a:avLst/>
-          </a:prstGeom>
-          <a:solidFill>
-            <a:schemeClr val="bg1"/>
-          </a:solidFill>
-          <a:ln w="38100">
-            <a:solidFill>
-              <a:srgbClr val="FF0000"/>
-            </a:solidFill>
-          </a:ln>
-        </p:spPr>
-        <p:style>
-          <a:lnRef idx="2">
-            <a:schemeClr val="accent1">
-              <a:shade val="50000"/>
-            </a:schemeClr>
-          </a:lnRef>
-          <a:fillRef idx="1">
-            <a:schemeClr val="accent1"/>
-          </a:fillRef>
-          <a:effectRef idx="0">
-            <a:schemeClr val="accent1"/>
-          </a:effectRef>
-          <a:fontRef idx="minor">
-            <a:schemeClr val="lt1"/>
-          </a:fontRef>
-        </p:style>
-        <p:txBody>
-          <a:bodyPr lIns="0" tIns="0" rIns="0" bIns="0" rtlCol="0" anchor="ctr"/>
-          <a:lstStyle/>
-          <a:p>
-            <a:pPr algn="ctr"/>
-            <a:r>
-              <a:rPr lang="en-US" sz="2800" b="1" dirty="0">
-                <a:solidFill>
-                  <a:srgbClr val="FF0000"/>
-                </a:solidFill>
-              </a:rPr>
-              <a:t>R</a:t>
-            </a:r>
-            <a:r>
-              <a:rPr lang="en-US" sz="2800" b="1" baseline="-25000" dirty="0">
-                <a:solidFill>
-                  <a:srgbClr val="FF0000"/>
-                </a:solidFill>
-              </a:rPr>
-              <a:t>d</a:t>
-            </a:r>
-            <a:endParaRPr lang="ru-UA" sz="2800" b="1" baseline="-25000" dirty="0">
-              <a:solidFill>
-                <a:srgbClr val="FF0000"/>
-              </a:solidFill>
-            </a:endParaRPr>
-          </a:p>
-        </p:txBody>
-      </p:sp>
-      <p:sp>
-        <p:nvSpPr>
-          <p:cNvPr id="30" name="Стрелка: вниз 29">
-            <a:extLst>
-              <a:ext uri="{FF2B5EF4-FFF2-40B4-BE49-F238E27FC236}">
-                <a16:creationId xmlns:a16="http://schemas.microsoft.com/office/drawing/2014/main" id="{46A00DBE-EB5F-C395-33FF-70F561C44AD2}"/>
-              </a:ext>
-            </a:extLst>
-          </p:cNvPr>
-          <p:cNvSpPr/>
-          <p:nvPr/>
-        </p:nvSpPr>
-        <p:spPr>
-          <a:xfrm>
-            <a:off x="9727107" y="5279982"/>
-            <a:ext cx="995680" cy="400110"/>
-          </a:xfrm>
-          <a:prstGeom prst="downArrow">
-            <a:avLst/>
-          </a:prstGeom>
-        </p:spPr>
-        <p:style>
-          <a:lnRef idx="2">
-            <a:schemeClr val="accent1">
-              <a:shade val="50000"/>
-            </a:schemeClr>
-          </a:lnRef>
-          <a:fillRef idx="1">
-            <a:schemeClr val="accent1"/>
-          </a:fillRef>
-          <a:effectRef idx="0">
-            <a:schemeClr val="accent1"/>
-          </a:effectRef>
-          <a:fontRef idx="minor">
-            <a:schemeClr val="lt1"/>
-          </a:fontRef>
-        </p:style>
-        <p:txBody>
-          <a:bodyPr rtlCol="0" anchor="ctr"/>
-          <a:lstStyle/>
-          <a:p>
-            <a:pPr algn="ctr"/>
-            <a:endParaRPr lang="ru-UA"/>
-          </a:p>
-        </p:txBody>
-      </p:sp>
-      <p:sp>
-        <p:nvSpPr>
-          <p:cNvPr id="31" name="Овал 30">
-            <a:extLst>
-              <a:ext uri="{FF2B5EF4-FFF2-40B4-BE49-F238E27FC236}">
-                <a16:creationId xmlns:a16="http://schemas.microsoft.com/office/drawing/2014/main" id="{45BA48B8-BD20-B731-B8E4-60DB55DD9ADA}"/>
-              </a:ext>
-            </a:extLst>
-          </p:cNvPr>
-          <p:cNvSpPr>
-            <a:spLocks noChangeAspect="1"/>
-          </p:cNvSpPr>
-          <p:nvPr/>
-        </p:nvSpPr>
-        <p:spPr>
-          <a:xfrm>
-            <a:off x="9625300" y="5848318"/>
-            <a:ext cx="1199293" cy="720000"/>
-          </a:xfrm>
-          <a:prstGeom prst="ellipse">
-            <a:avLst/>
-          </a:prstGeom>
-          <a:solidFill>
-            <a:schemeClr val="bg1"/>
-          </a:solidFill>
-          <a:ln w="38100">
-            <a:solidFill>
-              <a:srgbClr val="FF0000"/>
-            </a:solidFill>
-          </a:ln>
-        </p:spPr>
-        <p:style>
-          <a:lnRef idx="2">
-            <a:schemeClr val="accent1">
-              <a:shade val="50000"/>
-            </a:schemeClr>
-          </a:lnRef>
-          <a:fillRef idx="1">
-            <a:schemeClr val="accent1"/>
-          </a:fillRef>
-          <a:effectRef idx="0">
-            <a:schemeClr val="accent1"/>
-          </a:effectRef>
-          <a:fontRef idx="minor">
-            <a:schemeClr val="lt1"/>
-          </a:fontRef>
-        </p:style>
-        <p:txBody>
-          <a:bodyPr lIns="0" tIns="0" rIns="0" bIns="0" rtlCol="0" anchor="ctr"/>
-          <a:lstStyle/>
-          <a:p>
-            <a:pPr algn="ctr"/>
-            <a:r>
-              <a:rPr lang="en-US" sz="2800" b="1" dirty="0">
-                <a:solidFill>
-                  <a:srgbClr val="FF0000"/>
-                </a:solidFill>
-              </a:rPr>
-              <a:t>m , K</a:t>
-            </a:r>
-            <a:endParaRPr lang="ru-UA" sz="2800" b="1" baseline="-25000" dirty="0">
-              <a:solidFill>
-                <a:srgbClr val="FF0000"/>
-              </a:solidFill>
-            </a:endParaRPr>
-          </a:p>
-        </p:txBody>
-      </p:sp>
-    </p:spTree>
-    <p:extLst>
-      <p:ext uri="{BB962C8B-B14F-4D97-AF65-F5344CB8AC3E}">
-        <p14:creationId xmlns:p14="http://schemas.microsoft.com/office/powerpoint/2010/main" val="1656376198"/>
-      </p:ext>
-    </p:extLst>
-  </p:cSld>
-  <p:clrMapOvr>
-    <a:masterClrMapping/>
-  </p:clrMapOvr>
-</p:sld>
-</file>
-
-<file path=ppt/slides/slide2.xml><?xml version="1.0" encoding="utf-8"?>
-<p:sld xmlns:a="http://schemas.openxmlformats.org/drawingml/2006/main" xmlns:r="http://schemas.openxmlformats.org/officeDocument/2006/relationships" xmlns:p="http://schemas.openxmlformats.org/presentationml/2006/main">
-  <p:cSld>
-    <p:spTree>
-      <p:nvGrpSpPr>
-        <p:cNvPr id="1" name=""/>
-        <p:cNvGrpSpPr/>
-        <p:nvPr/>
-      </p:nvGrpSpPr>
-      <p:grpSpPr>
-        <a:xfrm>
-          <a:off x="0" y="0"/>
-          <a:ext cx="0" cy="0"/>
-          <a:chOff x="0" y="0"/>
-          <a:chExt cx="0" cy="0"/>
-        </a:xfrm>
-      </p:grpSpPr>
+            <a:endParaRPr lang="uk-UA"/>
+          </a:p>
+        </p:txBody>
+      </p:sp>
       <p:sp>
         <p:nvSpPr>
           <p:cNvPr id="5" name="Rectangle: Rounded Corners 4">
@@ -4465,7 +3458,7 @@
           </a:fontRef>
         </p:style>
         <p:txBody>
-          <a:bodyPr rtlCol="0" anchor="t" anchorCtr="0"/>
+          <a:bodyPr tIns="0" rtlCol="0" anchor="t" anchorCtr="0"/>
           <a:lstStyle/>
           <a:p>
             <a:pPr algn="ctr">
@@ -4474,16 +3467,22 @@
               </a:lnSpc>
             </a:pPr>
             <a:r>
-              <a:rPr lang="en-US" sz="2800" b="1" dirty="0">
+              <a:rPr lang="en-US" sz="2400" b="1" dirty="0">
                 <a:solidFill>
-                  <a:schemeClr val="tx1"/>
+                  <a:schemeClr val="tx1">
+                    <a:lumMod val="65000"/>
+                    <a:lumOff val="35000"/>
+                  </a:schemeClr>
                 </a:solidFill>
               </a:rPr>
               <a:t>IV measuring</a:t>
             </a:r>
-            <a:endParaRPr lang="ru-UA" sz="2800" b="1" dirty="0">
+            <a:endParaRPr lang="ru-UA" sz="2400" b="1" dirty="0">
               <a:solidFill>
-                <a:schemeClr val="tx1"/>
+                <a:schemeClr val="tx1">
+                  <a:lumMod val="65000"/>
+                  <a:lumOff val="35000"/>
+                </a:schemeClr>
               </a:solidFill>
             </a:endParaRPr>
           </a:p>
@@ -4570,7 +3569,7 @@
         <p:spPr>
           <a:xfrm>
             <a:off x="2573165" y="1415517"/>
-            <a:ext cx="792461" cy="338554"/>
+            <a:ext cx="808555" cy="338554"/>
           </a:xfrm>
           <a:prstGeom prst="rect">
             <a:avLst/>
@@ -4584,10 +3583,10 @@
           <a:lstStyle/>
           <a:p>
             <a:r>
-              <a:rPr lang="en-US" sz="1600" dirty="0"/>
+              <a:rPr lang="en-US" sz="1600" b="1" dirty="0"/>
               <a:t>voltage</a:t>
             </a:r>
-            <a:endParaRPr lang="ru-UA" sz="1600" dirty="0"/>
+            <a:endParaRPr lang="ru-UA" sz="1600" b="1" dirty="0"/>
           </a:p>
         </p:txBody>
       </p:sp>
@@ -4605,8 +3604,8 @@
         </p:nvSpPr>
         <p:spPr>
           <a:xfrm>
-            <a:off x="2202747" y="879921"/>
-            <a:ext cx="430887" cy="704873"/>
+            <a:off x="2202747" y="868316"/>
+            <a:ext cx="430887" cy="716478"/>
           </a:xfrm>
           <a:prstGeom prst="rect">
             <a:avLst/>
@@ -4620,10 +3619,10 @@
           <a:lstStyle/>
           <a:p>
             <a:r>
-              <a:rPr lang="en-US" sz="1600" dirty="0"/>
+              <a:rPr lang="en-US" sz="1600" b="1" dirty="0"/>
               <a:t>current</a:t>
             </a:r>
-            <a:endParaRPr lang="ru-UA" sz="1600" dirty="0"/>
+            <a:endParaRPr lang="ru-UA" sz="1600" b="1" dirty="0"/>
           </a:p>
         </p:txBody>
       </p:sp>
@@ -4739,20 +3738,26 @@
           <a:p>
             <a:pPr algn="ctr">
               <a:lnSpc>
-                <a:spcPts val="2500"/>
+                <a:spcPts val="2200"/>
               </a:lnSpc>
             </a:pPr>
             <a:r>
-              <a:rPr lang="en-US" sz="2800" b="1" dirty="0">
+              <a:rPr lang="en-US" sz="2400" b="1" dirty="0">
                 <a:solidFill>
-                  <a:schemeClr val="tx1"/>
+                  <a:schemeClr val="tx1">
+                    <a:lumMod val="65000"/>
+                    <a:lumOff val="35000"/>
+                  </a:schemeClr>
                 </a:solidFill>
               </a:rPr>
               <a:t>solar cell illumination</a:t>
             </a:r>
-            <a:endParaRPr lang="ru-UA" sz="2800" b="1" dirty="0">
+            <a:endParaRPr lang="ru-UA" sz="2400" b="1" dirty="0">
               <a:solidFill>
-                <a:schemeClr val="tx1"/>
+                <a:schemeClr val="tx1">
+                  <a:lumMod val="65000"/>
+                  <a:lumOff val="35000"/>
+                </a:schemeClr>
               </a:solidFill>
             </a:endParaRPr>
           </a:p>
@@ -4931,7 +3936,7 @@
           </a:fontRef>
         </p:style>
         <p:txBody>
-          <a:bodyPr rtlCol="0" anchor="t" anchorCtr="0"/>
+          <a:bodyPr tIns="0" rtlCol="0" anchor="t" anchorCtr="0"/>
           <a:lstStyle/>
           <a:p>
             <a:pPr algn="ctr">
@@ -4940,24 +3945,33 @@
               </a:lnSpc>
             </a:pPr>
             <a:r>
-              <a:rPr lang="en-US" sz="2800" b="1" dirty="0" err="1">
+              <a:rPr lang="en-US" sz="2400" b="1" dirty="0" err="1">
                 <a:solidFill>
-                  <a:schemeClr val="tx1"/>
+                  <a:schemeClr val="tx1">
+                    <a:lumMod val="65000"/>
+                    <a:lumOff val="35000"/>
+                  </a:schemeClr>
                 </a:solidFill>
               </a:rPr>
               <a:t>Isc</a:t>
             </a:r>
             <a:r>
-              <a:rPr lang="en-US" sz="2800" b="1" dirty="0">
+              <a:rPr lang="en-US" sz="2400" b="1" dirty="0">
                 <a:solidFill>
-                  <a:schemeClr val="tx1"/>
+                  <a:schemeClr val="tx1">
+                    <a:lumMod val="65000"/>
+                    <a:lumOff val="35000"/>
+                  </a:schemeClr>
                 </a:solidFill>
               </a:rPr>
               <a:t>(t) fitting</a:t>
             </a:r>
-            <a:endParaRPr lang="ru-UA" sz="2800" b="1" dirty="0">
+            <a:endParaRPr lang="ru-UA" sz="2400" b="1" dirty="0">
               <a:solidFill>
-                <a:schemeClr val="tx1"/>
+                <a:schemeClr val="tx1">
+                  <a:lumMod val="65000"/>
+                  <a:lumOff val="35000"/>
+                </a:schemeClr>
               </a:solidFill>
             </a:endParaRPr>
           </a:p>
@@ -5008,7 +4022,7 @@
         <p:spPr>
           <a:xfrm>
             <a:off x="6066480" y="1422391"/>
-            <a:ext cx="566181" cy="338554"/>
+            <a:ext cx="574196" cy="338554"/>
           </a:xfrm>
           <a:prstGeom prst="rect">
             <a:avLst/>
@@ -5022,10 +4036,10 @@
           <a:lstStyle/>
           <a:p>
             <a:r>
-              <a:rPr lang="en-US" sz="1600" dirty="0"/>
+              <a:rPr lang="en-US" sz="1600" b="1" dirty="0"/>
               <a:t>time</a:t>
             </a:r>
-            <a:endParaRPr lang="ru-UA" sz="1600" dirty="0"/>
+            <a:endParaRPr lang="ru-UA" sz="1600" b="1" dirty="0"/>
           </a:p>
         </p:txBody>
       </p:sp>
@@ -5043,8 +4057,8 @@
         </p:nvSpPr>
         <p:spPr>
           <a:xfrm>
-            <a:off x="5440407" y="693549"/>
-            <a:ext cx="536942" cy="1031885"/>
+            <a:off x="5440407" y="683066"/>
+            <a:ext cx="536942" cy="1052852"/>
           </a:xfrm>
           <a:prstGeom prst="rect">
             <a:avLst/>
@@ -5063,7 +4077,7 @@
               </a:lnSpc>
             </a:pPr>
             <a:r>
-              <a:rPr lang="en-US" sz="1600" dirty="0"/>
+              <a:rPr lang="en-US" sz="1600" b="1" dirty="0"/>
               <a:t>shot-circuit</a:t>
             </a:r>
           </a:p>
@@ -5074,10 +4088,10 @@
               </a:lnSpc>
             </a:pPr>
             <a:r>
-              <a:rPr lang="en-US" sz="1600" dirty="0"/>
+              <a:rPr lang="en-US" sz="1600" b="1" dirty="0"/>
               <a:t> current</a:t>
             </a:r>
-            <a:endParaRPr lang="ru-UA" sz="1600" dirty="0"/>
+            <a:endParaRPr lang="ru-UA" sz="1600" b="1" dirty="0"/>
           </a:p>
         </p:txBody>
       </p:sp>
@@ -5141,223 +4155,28 @@
           </a:prstGeom>
         </p:spPr>
       </p:pic>
-      <p:grpSp>
-        <p:nvGrpSpPr>
-          <p:cNvPr id="62" name="Групувати 61">
-            <a:extLst>
-              <a:ext uri="{FF2B5EF4-FFF2-40B4-BE49-F238E27FC236}">
-                <a16:creationId xmlns:a16="http://schemas.microsoft.com/office/drawing/2014/main" id="{61E192D3-5726-3147-9416-0616B49FF37F}"/>
-              </a:ext>
-            </a:extLst>
-          </p:cNvPr>
-          <p:cNvGrpSpPr/>
+      <p:sp>
+        <p:nvSpPr>
+          <p:cNvPr id="33" name="Rectangle: Rounded Corners 32">
+            <a:extLst>
+              <a:ext uri="{FF2B5EF4-FFF2-40B4-BE49-F238E27FC236}">
+                <a16:creationId xmlns:a16="http://schemas.microsoft.com/office/drawing/2014/main" id="{2096CAFD-D33B-1A17-9ABA-E2D3451AA8CE}"/>
+              </a:ext>
+            </a:extLst>
+          </p:cNvPr>
+          <p:cNvSpPr/>
           <p:nvPr/>
-        </p:nvGrpSpPr>
-        <p:grpSpPr>
+        </p:nvSpPr>
+        <p:spPr>
           <a:xfrm>
             <a:off x="4299477" y="4852763"/>
             <a:ext cx="2745580" cy="1406013"/>
-            <a:chOff x="4299477" y="4852763"/>
-            <a:chExt cx="2745580" cy="1406013"/>
-          </a:xfrm>
-          <a:effectLst>
-            <a:outerShdw blurRad="50800" dist="38100" algn="l" rotWithShape="0">
-              <a:prstClr val="black">
-                <a:alpha val="40000"/>
-              </a:prstClr>
-            </a:outerShdw>
-          </a:effectLst>
-        </p:grpSpPr>
-        <p:sp>
-          <p:nvSpPr>
-            <p:cNvPr id="33" name="Rectangle: Rounded Corners 32">
-              <a:extLst>
-                <a:ext uri="{FF2B5EF4-FFF2-40B4-BE49-F238E27FC236}">
-                  <a16:creationId xmlns:a16="http://schemas.microsoft.com/office/drawing/2014/main" id="{2096CAFD-D33B-1A17-9ABA-E2D3451AA8CE}"/>
-                </a:ext>
-              </a:extLst>
-            </p:cNvPr>
-            <p:cNvSpPr/>
-            <p:nvPr/>
-          </p:nvSpPr>
-          <p:spPr>
-            <a:xfrm>
-              <a:off x="4299477" y="4852763"/>
-              <a:ext cx="2745580" cy="1406013"/>
-            </a:xfrm>
-            <a:prstGeom prst="roundRect">
-              <a:avLst/>
-            </a:prstGeom>
-            <a:noFill/>
-            <a:ln w="28575"/>
-          </p:spPr>
-          <p:style>
-            <a:lnRef idx="2">
-              <a:schemeClr val="accent1">
-                <a:shade val="15000"/>
-              </a:schemeClr>
-            </a:lnRef>
-            <a:fillRef idx="1">
-              <a:schemeClr val="accent1"/>
-            </a:fillRef>
-            <a:effectRef idx="0">
-              <a:schemeClr val="accent1"/>
-            </a:effectRef>
-            <a:fontRef idx="minor">
-              <a:schemeClr val="lt1"/>
-            </a:fontRef>
-          </p:style>
-          <p:txBody>
-            <a:bodyPr rtlCol="0" anchor="t" anchorCtr="0"/>
-            <a:lstStyle/>
-            <a:p>
-              <a:pPr algn="ctr">
-                <a:lnSpc>
-                  <a:spcPts val="2500"/>
-                </a:lnSpc>
-              </a:pPr>
-              <a:r>
-                <a:rPr lang="en-US" sz="2800" b="1" dirty="0">
-                  <a:solidFill>
-                    <a:schemeClr val="tx1"/>
-                  </a:solidFill>
-                </a:rPr>
-                <a:t>lamps’ characterization </a:t>
-              </a:r>
-              <a:endParaRPr lang="ru-UA" sz="2800" b="1" dirty="0">
-                <a:solidFill>
-                  <a:schemeClr val="tx1"/>
-                </a:solidFill>
-              </a:endParaRPr>
-            </a:p>
-          </p:txBody>
-        </p:sp>
-        <p:pic>
-          <p:nvPicPr>
-            <p:cNvPr id="34" name="Picture 33">
-              <a:extLst>
-                <a:ext uri="{FF2B5EF4-FFF2-40B4-BE49-F238E27FC236}">
-                  <a16:creationId xmlns:a16="http://schemas.microsoft.com/office/drawing/2014/main" id="{CEAB256F-1262-A3C0-5C46-86F6BD5793D1}"/>
-                </a:ext>
-              </a:extLst>
-            </p:cNvPr>
-            <p:cNvPicPr>
-              <a:picLocks noChangeAspect="1"/>
-            </p:cNvPicPr>
-            <p:nvPr/>
-          </p:nvPicPr>
-          <p:blipFill>
-            <a:blip r:embed="rId11"/>
-            <a:stretch>
-              <a:fillRect/>
-            </a:stretch>
-          </p:blipFill>
-          <p:spPr>
-            <a:xfrm>
-              <a:off x="5110882" y="5642248"/>
-              <a:ext cx="708564" cy="515061"/>
-            </a:xfrm>
-            <a:prstGeom prst="rect">
-              <a:avLst/>
-            </a:prstGeom>
-          </p:spPr>
-        </p:pic>
-        <p:pic>
-          <p:nvPicPr>
-            <p:cNvPr id="35" name="Рисунок 8">
-              <a:extLst>
-                <a:ext uri="{FF2B5EF4-FFF2-40B4-BE49-F238E27FC236}">
-                  <a16:creationId xmlns:a16="http://schemas.microsoft.com/office/drawing/2014/main" id="{4725EDF0-2C87-D965-4674-686C9E55F8B1}"/>
-                </a:ext>
-              </a:extLst>
-            </p:cNvPr>
-            <p:cNvPicPr>
-              <a:picLocks noChangeAspect="1"/>
-            </p:cNvPicPr>
-            <p:nvPr/>
-          </p:nvPicPr>
-          <p:blipFill>
-            <a:blip r:embed="rId6">
-              <a:extLst>
-                <a:ext uri="{28A0092B-C50C-407E-A947-70E740481C1C}">
-                  <a14:useLocalDpi xmlns:a14="http://schemas.microsoft.com/office/drawing/2010/main" val="0"/>
-                </a:ext>
-              </a:extLst>
-            </a:blip>
-            <a:stretch>
-              <a:fillRect/>
-            </a:stretch>
-          </p:blipFill>
-          <p:spPr>
-            <a:xfrm>
-              <a:off x="4390802" y="5558141"/>
-              <a:ext cx="632996" cy="641356"/>
-            </a:xfrm>
-            <a:prstGeom prst="rect">
-              <a:avLst/>
-            </a:prstGeom>
-          </p:spPr>
-        </p:pic>
-        <p:pic>
-          <p:nvPicPr>
-            <p:cNvPr id="36" name="Picture 35">
-              <a:extLst>
-                <a:ext uri="{FF2B5EF4-FFF2-40B4-BE49-F238E27FC236}">
-                  <a16:creationId xmlns:a16="http://schemas.microsoft.com/office/drawing/2014/main" id="{EB6333CE-AD45-A899-8A7A-268F689A024F}"/>
-                </a:ext>
-              </a:extLst>
-            </p:cNvPr>
-            <p:cNvPicPr>
-              <a:picLocks noChangeAspect="1"/>
-            </p:cNvPicPr>
-            <p:nvPr/>
-          </p:nvPicPr>
-          <p:blipFill>
-            <a:blip r:embed="rId12"/>
-            <a:stretch>
-              <a:fillRect/>
-            </a:stretch>
-          </p:blipFill>
-          <p:spPr>
-            <a:xfrm>
-              <a:off x="5980112" y="5641659"/>
-              <a:ext cx="837094" cy="515650"/>
-            </a:xfrm>
-            <a:prstGeom prst="rect">
-              <a:avLst/>
-            </a:prstGeom>
-          </p:spPr>
-        </p:pic>
-      </p:grpSp>
-      <p:sp>
-        <p:nvSpPr>
-          <p:cNvPr id="37" name="Rectangle: Rounded Corners 36">
-            <a:extLst>
-              <a:ext uri="{FF2B5EF4-FFF2-40B4-BE49-F238E27FC236}">
-                <a16:creationId xmlns:a16="http://schemas.microsoft.com/office/drawing/2014/main" id="{07B04FE0-95C6-6A55-8E11-370C29EB0AAE}"/>
-              </a:ext>
-            </a:extLst>
-          </p:cNvPr>
-          <p:cNvSpPr/>
-          <p:nvPr/>
-        </p:nvSpPr>
-        <p:spPr>
-          <a:xfrm>
-            <a:off x="4385933" y="2555913"/>
-            <a:ext cx="2504661" cy="1406013"/>
           </a:xfrm>
           <a:prstGeom prst="roundRect">
             <a:avLst/>
           </a:prstGeom>
           <a:noFill/>
           <a:ln w="28575"/>
-          <a:effectLst>
-            <a:outerShdw blurRad="50800" dist="38100" algn="l" rotWithShape="0">
-              <a:prstClr val="black">
-                <a:alpha val="40000"/>
-              </a:prstClr>
-            </a:outerShdw>
-          </a:effectLst>
         </p:spPr>
         <p:style>
           <a:lnRef idx="2">
@@ -5376,7 +4195,7 @@
           </a:fontRef>
         </p:style>
         <p:txBody>
-          <a:bodyPr lIns="0" rIns="36000" rtlCol="0" anchor="t" anchorCtr="0"/>
+          <a:bodyPr tIns="0" rtlCol="0" anchor="t" anchorCtr="0"/>
           <a:lstStyle/>
           <a:p>
             <a:pPr algn="ctr">
@@ -5385,55 +4204,33 @@
               </a:lnSpc>
             </a:pPr>
             <a:r>
-              <a:rPr lang="en-US" sz="2800" b="1" dirty="0">
+              <a:rPr lang="en-US" sz="2400" b="1" dirty="0">
                 <a:solidFill>
-                  <a:schemeClr val="tx1"/>
+                  <a:schemeClr val="tx1">
+                    <a:lumMod val="65000"/>
+                    <a:lumOff val="35000"/>
+                  </a:schemeClr>
                 </a:solidFill>
               </a:rPr>
-              <a:t>quantifying </a:t>
-            </a:r>
-            <a:r>
-              <a:rPr lang="en-US" sz="2800" b="1" dirty="0" err="1">
-                <a:solidFill>
-                  <a:schemeClr val="tx1"/>
-                </a:solidFill>
-              </a:rPr>
-              <a:t>FeB</a:t>
-            </a:r>
-            <a:endParaRPr lang="en-US" sz="2800" b="1" dirty="0">
+              <a:t>lamps’ characterization </a:t>
+            </a:r>
+            <a:endParaRPr lang="ru-UA" sz="2400" b="1" dirty="0">
               <a:solidFill>
-                <a:schemeClr val="tx1"/>
+                <a:schemeClr val="tx1">
+                  <a:lumMod val="65000"/>
+                  <a:lumOff val="35000"/>
+                </a:schemeClr>
               </a:solidFill>
             </a:endParaRPr>
           </a:p>
-          <a:p>
-            <a:pPr algn="r">
-              <a:lnSpc>
-                <a:spcPts val="3500"/>
-              </a:lnSpc>
-            </a:pPr>
-            <a:r>
-              <a:rPr lang="en-US" sz="2800" b="1" dirty="0">
-                <a:solidFill>
-                  <a:schemeClr val="tx1"/>
-                </a:solidFill>
-              </a:rPr>
-              <a:t> decay </a:t>
-            </a:r>
-            <a:endParaRPr lang="ru-UA" sz="2800" b="1" dirty="0">
-              <a:solidFill>
-                <a:schemeClr val="tx1"/>
-              </a:solidFill>
-            </a:endParaRPr>
-          </a:p>
         </p:txBody>
       </p:sp>
       <p:pic>
         <p:nvPicPr>
-          <p:cNvPr id="38" name="Рисунок 18">
-            <a:extLst>
-              <a:ext uri="{FF2B5EF4-FFF2-40B4-BE49-F238E27FC236}">
-                <a16:creationId xmlns:a16="http://schemas.microsoft.com/office/drawing/2014/main" id="{7A26B514-0150-D2B0-61EB-6DE01CD1DA3A}"/>
+          <p:cNvPr id="34" name="Picture 33">
+            <a:extLst>
+              <a:ext uri="{FF2B5EF4-FFF2-40B4-BE49-F238E27FC236}">
+                <a16:creationId xmlns:a16="http://schemas.microsoft.com/office/drawing/2014/main" id="{CEAB256F-1262-A3C0-5C46-86F6BD5793D1}"/>
               </a:ext>
             </a:extLst>
           </p:cNvPr>
@@ -5443,217 +4240,93 @@
           <p:nvPr/>
         </p:nvPicPr>
         <p:blipFill>
-          <a:blip r:embed="rId13"/>
+          <a:blip r:embed="rId11"/>
           <a:stretch>
             <a:fillRect/>
           </a:stretch>
         </p:blipFill>
         <p:spPr>
           <a:xfrm>
-            <a:off x="4893124" y="3051103"/>
-            <a:ext cx="933225" cy="662744"/>
+            <a:off x="5110882" y="5642248"/>
+            <a:ext cx="708564" cy="515061"/>
           </a:xfrm>
           <a:prstGeom prst="rect">
             <a:avLst/>
           </a:prstGeom>
         </p:spPr>
       </p:pic>
-      <p:sp>
-        <p:nvSpPr>
-          <p:cNvPr id="39" name="TextBox 38">
-            <a:extLst>
-              <a:ext uri="{FF2B5EF4-FFF2-40B4-BE49-F238E27FC236}">
-                <a16:creationId xmlns:a16="http://schemas.microsoft.com/office/drawing/2014/main" id="{74271C21-4C6D-89E7-EC01-18D27313AE36}"/>
-              </a:ext>
-            </a:extLst>
-          </p:cNvPr>
-          <p:cNvSpPr txBox="1"/>
+      <p:pic>
+        <p:nvPicPr>
+          <p:cNvPr id="35" name="Рисунок 8">
+            <a:extLst>
+              <a:ext uri="{FF2B5EF4-FFF2-40B4-BE49-F238E27FC236}">
+                <a16:creationId xmlns:a16="http://schemas.microsoft.com/office/drawing/2014/main" id="{4725EDF0-2C87-D965-4674-686C9E55F8B1}"/>
+              </a:ext>
+            </a:extLst>
+          </p:cNvPr>
+          <p:cNvPicPr>
+            <a:picLocks noChangeAspect="1"/>
+          </p:cNvPicPr>
           <p:nvPr/>
-        </p:nvSpPr>
-        <p:spPr>
-          <a:xfrm>
-            <a:off x="4545377" y="3633311"/>
-            <a:ext cx="1609415" cy="338554"/>
+        </p:nvPicPr>
+        <p:blipFill>
+          <a:blip r:embed="rId6">
+            <a:extLst>
+              <a:ext uri="{28A0092B-C50C-407E-A947-70E740481C1C}">
+                <a14:useLocalDpi xmlns:a14="http://schemas.microsoft.com/office/drawing/2010/main" val="0"/>
+              </a:ext>
+            </a:extLst>
+          </a:blip>
+          <a:stretch>
+            <a:fillRect/>
+          </a:stretch>
+        </p:blipFill>
+        <p:spPr>
+          <a:xfrm>
+            <a:off x="4390802" y="5558141"/>
+            <a:ext cx="632996" cy="641356"/>
           </a:xfrm>
           <a:prstGeom prst="rect">
             <a:avLst/>
           </a:prstGeom>
-          <a:noFill/>
-        </p:spPr>
-        <p:txBody>
-          <a:bodyPr wrap="none" rtlCol="0">
-            <a:spAutoFit/>
-          </a:bodyPr>
-          <a:lstStyle/>
-          <a:p>
-            <a:r>
-              <a:rPr lang="en-US" sz="1600" dirty="0"/>
-              <a:t>Illumination time</a:t>
-            </a:r>
-            <a:endParaRPr lang="ru-UA" sz="1600" dirty="0"/>
-          </a:p>
-        </p:txBody>
-      </p:sp>
-      <p:sp>
-        <p:nvSpPr>
-          <p:cNvPr id="40" name="TextBox 39">
-            <a:extLst>
-              <a:ext uri="{FF2B5EF4-FFF2-40B4-BE49-F238E27FC236}">
-                <a16:creationId xmlns:a16="http://schemas.microsoft.com/office/drawing/2014/main" id="{AEB31885-6411-0624-0E96-F841107D69D8}"/>
-              </a:ext>
-            </a:extLst>
-          </p:cNvPr>
-          <p:cNvSpPr txBox="1"/>
+        </p:spPr>
+      </p:pic>
+      <p:pic>
+        <p:nvPicPr>
+          <p:cNvPr id="36" name="Picture 35">
+            <a:extLst>
+              <a:ext uri="{FF2B5EF4-FFF2-40B4-BE49-F238E27FC236}">
+                <a16:creationId xmlns:a16="http://schemas.microsoft.com/office/drawing/2014/main" id="{EB6333CE-AD45-A899-8A7A-268F689A024F}"/>
+              </a:ext>
+            </a:extLst>
+          </p:cNvPr>
+          <p:cNvPicPr>
+            <a:picLocks noChangeAspect="1"/>
+          </p:cNvPicPr>
           <p:nvPr/>
-        </p:nvSpPr>
-        <p:spPr>
-          <a:xfrm>
-            <a:off x="4545377" y="3145455"/>
-            <a:ext cx="383054" cy="474040"/>
+        </p:nvPicPr>
+        <p:blipFill>
+          <a:blip r:embed="rId12"/>
+          <a:stretch>
+            <a:fillRect/>
+          </a:stretch>
+        </p:blipFill>
+        <p:spPr>
+          <a:xfrm>
+            <a:off x="5980112" y="5641659"/>
+            <a:ext cx="837094" cy="515650"/>
           </a:xfrm>
           <a:prstGeom prst="rect">
             <a:avLst/>
           </a:prstGeom>
-          <a:noFill/>
-        </p:spPr>
-        <p:txBody>
-          <a:bodyPr vert="vert270" wrap="none" rtlCol="0">
-            <a:spAutoFit/>
-          </a:bodyPr>
-          <a:lstStyle/>
-          <a:p>
-            <a:pPr algn="ctr">
-              <a:lnSpc>
-                <a:spcPts val="1500"/>
-              </a:lnSpc>
-            </a:pPr>
-            <a:r>
-              <a:rPr lang="en-US" sz="1600" dirty="0"/>
-              <a:t>[Fe</a:t>
-            </a:r>
-            <a:r>
-              <a:rPr lang="en-US" sz="1600" baseline="-25000" dirty="0"/>
-              <a:t>i </a:t>
-            </a:r>
-            <a:r>
-              <a:rPr lang="en-US" sz="1600" dirty="0"/>
-              <a:t>]</a:t>
-            </a:r>
-            <a:endParaRPr lang="ru-UA" sz="1600" dirty="0"/>
-          </a:p>
-        </p:txBody>
-      </p:sp>
-      <p:sp>
-        <p:nvSpPr>
-          <p:cNvPr id="42" name="TextBox 41">
-            <a:extLst>
-              <a:ext uri="{FF2B5EF4-FFF2-40B4-BE49-F238E27FC236}">
-                <a16:creationId xmlns:a16="http://schemas.microsoft.com/office/drawing/2014/main" id="{1CF6EB7E-EB4B-32B3-8330-90231246CD02}"/>
-              </a:ext>
-            </a:extLst>
-          </p:cNvPr>
-          <p:cNvSpPr txBox="1"/>
-          <p:nvPr/>
-        </p:nvSpPr>
-        <p:spPr>
-          <a:xfrm>
-            <a:off x="8484946" y="3496497"/>
-            <a:ext cx="1728358" cy="431785"/>
-          </a:xfrm>
-          <a:prstGeom prst="rect">
-            <a:avLst/>
-          </a:prstGeom>
-          <a:noFill/>
-        </p:spPr>
-        <p:txBody>
-          <a:bodyPr wrap="square" rtlCol="0">
-            <a:spAutoFit/>
-          </a:bodyPr>
-          <a:lstStyle/>
-          <a:p>
-            <a:pPr>
-              <a:lnSpc>
-                <a:spcPts val="1400"/>
-              </a:lnSpc>
-            </a:pPr>
-            <a:r>
-              <a:rPr lang="en-US" sz="1600" dirty="0"/>
-              <a:t>carrier generation </a:t>
-            </a:r>
-          </a:p>
-          <a:p>
-            <a:pPr algn="ctr">
-              <a:lnSpc>
-                <a:spcPts val="1100"/>
-              </a:lnSpc>
-            </a:pPr>
-            <a:r>
-              <a:rPr lang="en-US" sz="1600" dirty="0"/>
-              <a:t>rate</a:t>
-            </a:r>
-            <a:endParaRPr lang="ru-UA" sz="1600" dirty="0"/>
-          </a:p>
-        </p:txBody>
-      </p:sp>
-      <p:sp>
-        <p:nvSpPr>
-          <p:cNvPr id="43" name="TextBox 42">
-            <a:extLst>
-              <a:ext uri="{FF2B5EF4-FFF2-40B4-BE49-F238E27FC236}">
-                <a16:creationId xmlns:a16="http://schemas.microsoft.com/office/drawing/2014/main" id="{F6D97EC6-D836-D202-0947-F1A484D2E5BC}"/>
-              </a:ext>
-            </a:extLst>
-          </p:cNvPr>
-          <p:cNvSpPr txBox="1"/>
-          <p:nvPr/>
-        </p:nvSpPr>
-        <p:spPr>
-          <a:xfrm>
-            <a:off x="8304665" y="2508736"/>
-            <a:ext cx="524118" cy="1166615"/>
-          </a:xfrm>
-          <a:prstGeom prst="rect">
-            <a:avLst/>
-          </a:prstGeom>
-          <a:noFill/>
-        </p:spPr>
-        <p:txBody>
-          <a:bodyPr vert="vert270" wrap="square" rtlCol="0">
-            <a:spAutoFit/>
-          </a:bodyPr>
-          <a:lstStyle/>
-          <a:p>
-            <a:pPr algn="ctr">
-              <a:lnSpc>
-                <a:spcPts val="1400"/>
-              </a:lnSpc>
-            </a:pPr>
-            <a:r>
-              <a:rPr lang="en-US" sz="1600" dirty="0" err="1"/>
-              <a:t>dsissosiation</a:t>
-            </a:r>
-            <a:endParaRPr lang="en-US" sz="1600" dirty="0"/>
-          </a:p>
-          <a:p>
-            <a:pPr algn="ctr">
-              <a:lnSpc>
-                <a:spcPts val="1100"/>
-              </a:lnSpc>
-            </a:pPr>
-            <a:r>
-              <a:rPr lang="en-US" sz="1600" dirty="0"/>
-              <a:t> rate</a:t>
-            </a:r>
-            <a:endParaRPr lang="ru-UA" sz="1600" dirty="0"/>
-          </a:p>
-        </p:txBody>
-      </p:sp>
-      <p:sp>
-        <p:nvSpPr>
-          <p:cNvPr id="46" name="Rectangle: Rounded Corners 45">
-            <a:extLst>
-              <a:ext uri="{FF2B5EF4-FFF2-40B4-BE49-F238E27FC236}">
-                <a16:creationId xmlns:a16="http://schemas.microsoft.com/office/drawing/2014/main" id="{F737B6EA-2E38-78E7-F05E-A3CF8F6A2D9C}"/>
+        </p:spPr>
+      </p:pic>
+      <p:sp>
+        <p:nvSpPr>
+          <p:cNvPr id="37" name="Rectangle: Rounded Corners 36">
+            <a:extLst>
+              <a:ext uri="{FF2B5EF4-FFF2-40B4-BE49-F238E27FC236}">
+                <a16:creationId xmlns:a16="http://schemas.microsoft.com/office/drawing/2014/main" id="{07B04FE0-95C6-6A55-8E11-370C29EB0AAE}"/>
               </a:ext>
             </a:extLst>
           </p:cNvPr>
@@ -5662,8 +4335,8 @@
         </p:nvSpPr>
         <p:spPr>
           <a:xfrm>
-            <a:off x="8141877" y="1940809"/>
-            <a:ext cx="2560667" cy="1959160"/>
+            <a:off x="4385933" y="2555913"/>
+            <a:ext cx="2504661" cy="1406013"/>
           </a:xfrm>
           <a:prstGeom prst="roundRect">
             <a:avLst/>
@@ -5695,7 +4368,7 @@
           </a:fontRef>
         </p:style>
         <p:txBody>
-          <a:bodyPr lIns="0" tIns="0" rIns="0" rtlCol="0" anchor="t" anchorCtr="0"/>
+          <a:bodyPr lIns="0" tIns="0" rIns="36000" rtlCol="0" anchor="t" anchorCtr="0"/>
           <a:lstStyle/>
           <a:p>
             <a:pPr algn="ctr">
@@ -5704,57 +4377,155 @@
               </a:lnSpc>
             </a:pPr>
             <a:r>
-              <a:rPr lang="en-US" sz="2800" b="1" dirty="0">
+              <a:rPr lang="en-US" sz="2400" b="1" dirty="0">
                 <a:solidFill>
-                  <a:schemeClr val="tx1"/>
+                  <a:schemeClr val="tx1">
+                    <a:lumMod val="65000"/>
+                    <a:lumOff val="35000"/>
+                  </a:schemeClr>
                 </a:solidFill>
               </a:rPr>
-              <a:t>discussion &amp; conclusion</a:t>
-            </a:r>
-            <a:endParaRPr lang="ru-UA" sz="2800" b="1" dirty="0">
+              <a:t>     quantifying </a:t>
+            </a:r>
+            <a:r>
+              <a:rPr lang="en-US" sz="2400" b="1" dirty="0" err="1">
+                <a:solidFill>
+                  <a:schemeClr val="tx1">
+                    <a:lumMod val="65000"/>
+                    <a:lumOff val="35000"/>
+                  </a:schemeClr>
+                </a:solidFill>
+              </a:rPr>
+              <a:t>FeB</a:t>
+            </a:r>
+            <a:endParaRPr lang="en-US" sz="2400" b="1" dirty="0">
               <a:solidFill>
-                <a:schemeClr val="tx1"/>
+                <a:schemeClr val="tx1">
+                  <a:lumMod val="65000"/>
+                  <a:lumOff val="35000"/>
+                </a:schemeClr>
               </a:solidFill>
             </a:endParaRPr>
           </a:p>
-        </p:txBody>
-      </p:sp>
-      <p:pic>
-        <p:nvPicPr>
-          <p:cNvPr id="47" name="Picture 46">
-            <a:extLst>
-              <a:ext uri="{FF2B5EF4-FFF2-40B4-BE49-F238E27FC236}">
-                <a16:creationId xmlns:a16="http://schemas.microsoft.com/office/drawing/2014/main" id="{4226D06A-3D62-A32B-9DD6-41B62DAAEAB3}"/>
-              </a:ext>
-            </a:extLst>
-          </p:cNvPr>
-          <p:cNvPicPr>
-            <a:picLocks noChangeAspect="1"/>
-          </p:cNvPicPr>
+          <a:p>
+            <a:pPr algn="r">
+              <a:lnSpc>
+                <a:spcPts val="3000"/>
+              </a:lnSpc>
+            </a:pPr>
+            <a:r>
+              <a:rPr lang="en-US" sz="2400" b="1" dirty="0">
+                <a:solidFill>
+                  <a:schemeClr val="tx1">
+                    <a:lumMod val="65000"/>
+                    <a:lumOff val="35000"/>
+                  </a:schemeClr>
+                </a:solidFill>
+              </a:rPr>
+              <a:t> decay </a:t>
+            </a:r>
+            <a:endParaRPr lang="ru-UA" sz="2400" b="1" dirty="0">
+              <a:solidFill>
+                <a:schemeClr val="tx1">
+                  <a:lumMod val="65000"/>
+                  <a:lumOff val="35000"/>
+                </a:schemeClr>
+              </a:solidFill>
+            </a:endParaRPr>
+          </a:p>
+        </p:txBody>
+      </p:sp>
+      <p:sp>
+        <p:nvSpPr>
+          <p:cNvPr id="39" name="TextBox 38">
+            <a:extLst>
+              <a:ext uri="{FF2B5EF4-FFF2-40B4-BE49-F238E27FC236}">
+                <a16:creationId xmlns:a16="http://schemas.microsoft.com/office/drawing/2014/main" id="{74271C21-4C6D-89E7-EC01-18D27313AE36}"/>
+              </a:ext>
+            </a:extLst>
+          </p:cNvPr>
+          <p:cNvSpPr txBox="1"/>
           <p:nvPr/>
-        </p:nvPicPr>
-        <p:blipFill>
-          <a:blip r:embed="rId14"/>
-          <a:stretch>
-            <a:fillRect/>
-          </a:stretch>
-        </p:blipFill>
-        <p:spPr>
-          <a:xfrm>
-            <a:off x="9827478" y="2862072"/>
-            <a:ext cx="793319" cy="679587"/>
+        </p:nvSpPr>
+        <p:spPr>
+          <a:xfrm>
+            <a:off x="4545377" y="3633311"/>
+            <a:ext cx="1652697" cy="338554"/>
           </a:xfrm>
           <a:prstGeom prst="rect">
             <a:avLst/>
           </a:prstGeom>
-        </p:spPr>
-      </p:pic>
-      <p:sp>
-        <p:nvSpPr>
-          <p:cNvPr id="44" name="Rectangle: Rounded Corners 43">
-            <a:extLst>
-              <a:ext uri="{FF2B5EF4-FFF2-40B4-BE49-F238E27FC236}">
-                <a16:creationId xmlns:a16="http://schemas.microsoft.com/office/drawing/2014/main" id="{FFE8A2A8-C095-71DA-9FC4-9002C4AEBE8F}"/>
+          <a:noFill/>
+        </p:spPr>
+        <p:txBody>
+          <a:bodyPr wrap="none" rtlCol="0">
+            <a:spAutoFit/>
+          </a:bodyPr>
+          <a:lstStyle/>
+          <a:p>
+            <a:r>
+              <a:rPr lang="en-US" sz="1600" b="1" dirty="0"/>
+              <a:t>Illumination time</a:t>
+            </a:r>
+            <a:endParaRPr lang="ru-UA" sz="1600" b="1" dirty="0"/>
+          </a:p>
+        </p:txBody>
+      </p:sp>
+      <p:sp>
+        <p:nvSpPr>
+          <p:cNvPr id="40" name="TextBox 39">
+            <a:extLst>
+              <a:ext uri="{FF2B5EF4-FFF2-40B4-BE49-F238E27FC236}">
+                <a16:creationId xmlns:a16="http://schemas.microsoft.com/office/drawing/2014/main" id="{AEB31885-6411-0624-0E96-F841107D69D8}"/>
+              </a:ext>
+            </a:extLst>
+          </p:cNvPr>
+          <p:cNvSpPr txBox="1"/>
+          <p:nvPr/>
+        </p:nvSpPr>
+        <p:spPr>
+          <a:xfrm>
+            <a:off x="4507219" y="3139844"/>
+            <a:ext cx="383054" cy="485262"/>
+          </a:xfrm>
+          <a:prstGeom prst="rect">
+            <a:avLst/>
+          </a:prstGeom>
+          <a:noFill/>
+        </p:spPr>
+        <p:txBody>
+          <a:bodyPr vert="vert270" wrap="none" rtlCol="0">
+            <a:spAutoFit/>
+          </a:bodyPr>
+          <a:lstStyle/>
+          <a:p>
+            <a:pPr algn="ctr">
+              <a:lnSpc>
+                <a:spcPts val="1500"/>
+              </a:lnSpc>
+            </a:pPr>
+            <a:r>
+              <a:rPr lang="en-US" sz="1600" b="1" dirty="0"/>
+              <a:t>[Fe</a:t>
+            </a:r>
+            <a:r>
+              <a:rPr lang="en-US" sz="1600" b="1" baseline="-25000" dirty="0"/>
+              <a:t>i </a:t>
+            </a:r>
+            <a:r>
+              <a:rPr lang="en-US" sz="1600" b="1" dirty="0"/>
+              <a:t>]</a:t>
+            </a:r>
+            <a:endParaRPr lang="ru-UA" sz="1600" b="1" dirty="0"/>
+          </a:p>
+        </p:txBody>
+      </p:sp>
+      <p:sp>
+        <p:nvSpPr>
+          <p:cNvPr id="46" name="Rectangle: Rounded Corners 45">
+            <a:extLst>
+              <a:ext uri="{FF2B5EF4-FFF2-40B4-BE49-F238E27FC236}">
+                <a16:creationId xmlns:a16="http://schemas.microsoft.com/office/drawing/2014/main" id="{F737B6EA-2E38-78E7-F05E-A3CF8F6A2D9C}"/>
               </a:ext>
             </a:extLst>
           </p:cNvPr>
@@ -5763,13 +4534,15 @@
         </p:nvSpPr>
         <p:spPr>
           <a:xfrm>
-            <a:off x="8094795" y="4739148"/>
-            <a:ext cx="2816186" cy="1591646"/>
+            <a:off x="8141877" y="2385091"/>
+            <a:ext cx="3066896" cy="1514877"/>
           </a:xfrm>
           <a:prstGeom prst="roundRect">
             <a:avLst/>
           </a:prstGeom>
-          <a:noFill/>
+          <a:solidFill>
+            <a:schemeClr val="bg1"/>
+          </a:solidFill>
           <a:ln w="28575"/>
           <a:effectLst>
             <a:outerShdw blurRad="50800" dist="38100" algn="l" rotWithShape="0">
@@ -5801,20 +4574,37 @@
           <a:p>
             <a:pPr algn="ctr">
               <a:lnSpc>
-                <a:spcPts val="2500"/>
+                <a:spcPts val="2000"/>
               </a:lnSpc>
             </a:pPr>
             <a:r>
-              <a:rPr lang="en-US" sz="2800" b="1" dirty="0">
+              <a:rPr lang="en-US" sz="2400" b="1" i="1" dirty="0">
                 <a:solidFill>
-                  <a:schemeClr val="tx1"/>
+                  <a:schemeClr val="tx1">
+                    <a:lumMod val="65000"/>
+                    <a:lumOff val="35000"/>
+                  </a:schemeClr>
                 </a:solidFill>
               </a:rPr>
-              <a:t>carrier generation rate estimation</a:t>
-            </a:r>
-            <a:endParaRPr lang="ru-UA" sz="2800" b="1" dirty="0">
+              <a:t>   K</a:t>
+            </a:r>
+            <a:r>
+              <a:rPr lang="en-US" sz="2400" b="1" dirty="0">
+                <a:solidFill>
+                  <a:schemeClr val="tx1">
+                    <a:lumMod val="65000"/>
+                    <a:lumOff val="35000"/>
+                  </a:schemeClr>
+                </a:solidFill>
+              </a:rPr>
+              <a:t> determination</a:t>
+            </a:r>
+            <a:endParaRPr lang="ru-UA" sz="2400" b="1" dirty="0">
               <a:solidFill>
-                <a:schemeClr val="tx1"/>
+                <a:schemeClr val="tx1">
+                  <a:lumMod val="65000"/>
+                  <a:lumOff val="35000"/>
+                </a:schemeClr>
               </a:solidFill>
             </a:endParaRPr>
           </a:p>
@@ -5822,10 +4612,10 @@
       </p:sp>
       <p:pic>
         <p:nvPicPr>
-          <p:cNvPr id="49" name="Picture 48">
-            <a:extLst>
-              <a:ext uri="{FF2B5EF4-FFF2-40B4-BE49-F238E27FC236}">
-                <a16:creationId xmlns:a16="http://schemas.microsoft.com/office/drawing/2014/main" id="{C66591D4-1E17-98CF-FCE3-21586D5E575B}"/>
+          <p:cNvPr id="47" name="Picture 46">
+            <a:extLst>
+              <a:ext uri="{FF2B5EF4-FFF2-40B4-BE49-F238E27FC236}">
+                <a16:creationId xmlns:a16="http://schemas.microsoft.com/office/drawing/2014/main" id="{4226D06A-3D62-A32B-9DD6-41B62DAAEAB3}"/>
               </a:ext>
             </a:extLst>
           </p:cNvPr>
@@ -5835,15 +4625,15 @@
           <p:nvPr/>
         </p:nvPicPr>
         <p:blipFill>
-          <a:blip r:embed="rId15"/>
+          <a:blip r:embed="rId13"/>
           <a:stretch>
             <a:fillRect/>
           </a:stretch>
         </p:blipFill>
         <p:spPr>
           <a:xfrm>
-            <a:off x="8657180" y="5482631"/>
-            <a:ext cx="755168" cy="566069"/>
+            <a:off x="10076544" y="839193"/>
+            <a:ext cx="793319" cy="679587"/>
           </a:xfrm>
           <a:prstGeom prst="rect">
             <a:avLst/>
@@ -5852,6 +4642,113 @@
       </p:pic>
       <p:sp>
         <p:nvSpPr>
+          <p:cNvPr id="44" name="Rectangle: Rounded Corners 43">
+            <a:extLst>
+              <a:ext uri="{FF2B5EF4-FFF2-40B4-BE49-F238E27FC236}">
+                <a16:creationId xmlns:a16="http://schemas.microsoft.com/office/drawing/2014/main" id="{FFE8A2A8-C095-71DA-9FC4-9002C4AEBE8F}"/>
+              </a:ext>
+            </a:extLst>
+          </p:cNvPr>
+          <p:cNvSpPr/>
+          <p:nvPr/>
+        </p:nvSpPr>
+        <p:spPr>
+          <a:xfrm>
+            <a:off x="8094794" y="4739148"/>
+            <a:ext cx="3113979" cy="1591646"/>
+          </a:xfrm>
+          <a:prstGeom prst="roundRect">
+            <a:avLst/>
+          </a:prstGeom>
+          <a:noFill/>
+          <a:ln w="28575"/>
+          <a:effectLst>
+            <a:outerShdw blurRad="50800" dist="38100" algn="l" rotWithShape="0">
+              <a:prstClr val="black">
+                <a:alpha val="40000"/>
+              </a:prstClr>
+            </a:outerShdw>
+          </a:effectLst>
+        </p:spPr>
+        <p:style>
+          <a:lnRef idx="2">
+            <a:schemeClr val="accent1">
+              <a:shade val="15000"/>
+            </a:schemeClr>
+          </a:lnRef>
+          <a:fillRef idx="1">
+            <a:schemeClr val="accent1"/>
+          </a:fillRef>
+          <a:effectRef idx="0">
+            <a:schemeClr val="accent1"/>
+          </a:effectRef>
+          <a:fontRef idx="minor">
+            <a:schemeClr val="lt1"/>
+          </a:fontRef>
+        </p:style>
+        <p:txBody>
+          <a:bodyPr lIns="0" tIns="0" rIns="0" rtlCol="0" anchor="t" anchorCtr="0"/>
+          <a:lstStyle/>
+          <a:p>
+            <a:pPr algn="ctr">
+              <a:lnSpc>
+                <a:spcPts val="2500"/>
+              </a:lnSpc>
+            </a:pPr>
+            <a:r>
+              <a:rPr lang="en-US" sz="2400" b="1" dirty="0">
+                <a:solidFill>
+                  <a:schemeClr val="tx1">
+                    <a:lumMod val="65000"/>
+                    <a:lumOff val="35000"/>
+                  </a:schemeClr>
+                </a:solidFill>
+              </a:rPr>
+              <a:t>  carrier generation rate estimation</a:t>
+            </a:r>
+            <a:endParaRPr lang="ru-UA" sz="2400" b="1" dirty="0">
+              <a:solidFill>
+                <a:schemeClr val="tx1">
+                  <a:lumMod val="65000"/>
+                  <a:lumOff val="35000"/>
+                </a:schemeClr>
+              </a:solidFill>
+            </a:endParaRPr>
+          </a:p>
+        </p:txBody>
+      </p:sp>
+      <p:pic>
+        <p:nvPicPr>
+          <p:cNvPr id="49" name="Picture 48">
+            <a:extLst>
+              <a:ext uri="{FF2B5EF4-FFF2-40B4-BE49-F238E27FC236}">
+                <a16:creationId xmlns:a16="http://schemas.microsoft.com/office/drawing/2014/main" id="{C66591D4-1E17-98CF-FCE3-21586D5E575B}"/>
+              </a:ext>
+            </a:extLst>
+          </p:cNvPr>
+          <p:cNvPicPr>
+            <a:picLocks noChangeAspect="1"/>
+          </p:cNvPicPr>
+          <p:nvPr/>
+        </p:nvPicPr>
+        <p:blipFill>
+          <a:blip r:embed="rId14"/>
+          <a:stretch>
+            <a:fillRect/>
+          </a:stretch>
+        </p:blipFill>
+        <p:spPr>
+          <a:xfrm>
+            <a:off x="8657180" y="5482631"/>
+            <a:ext cx="755168" cy="566069"/>
+          </a:xfrm>
+          <a:prstGeom prst="rect">
+            <a:avLst/>
+          </a:prstGeom>
+        </p:spPr>
+      </p:pic>
+      <p:sp>
+        <p:nvSpPr>
           <p:cNvPr id="50" name="TextBox 49">
             <a:extLst>
               <a:ext uri="{FF2B5EF4-FFF2-40B4-BE49-F238E27FC236}">
@@ -5865,7 +4762,7 @@
         <p:spPr>
           <a:xfrm>
             <a:off x="8440586" y="6025124"/>
-            <a:ext cx="1143711" cy="338554"/>
+            <a:ext cx="1171667" cy="338554"/>
           </a:xfrm>
           <a:prstGeom prst="rect">
             <a:avLst/>
@@ -5879,10 +4776,10 @@
           <a:lstStyle/>
           <a:p>
             <a:r>
-              <a:rPr lang="en-US" sz="1600" dirty="0"/>
+              <a:rPr lang="en-US" sz="1600" b="1" dirty="0"/>
               <a:t>wavelength</a:t>
             </a:r>
-            <a:endParaRPr lang="ru-UA" sz="1600" dirty="0"/>
+            <a:endParaRPr lang="ru-UA" sz="1600" b="1" dirty="0"/>
           </a:p>
         </p:txBody>
       </p:sp>
@@ -5900,8 +4797,8 @@
         </p:nvSpPr>
         <p:spPr>
           <a:xfrm>
-            <a:off x="8313233" y="5360874"/>
-            <a:ext cx="383054" cy="809581"/>
+            <a:off x="8313233" y="5349813"/>
+            <a:ext cx="383054" cy="831703"/>
           </a:xfrm>
           <a:prstGeom prst="rect">
             <a:avLst/>
@@ -5920,10 +4817,10 @@
               </a:lnSpc>
             </a:pPr>
             <a:r>
-              <a:rPr lang="en-US" sz="1600" dirty="0"/>
+              <a:rPr lang="en-US" sz="1600" b="1" dirty="0"/>
               <a:t>intensity</a:t>
             </a:r>
-            <a:endParaRPr lang="ru-UA" sz="1600" dirty="0"/>
+            <a:endParaRPr lang="ru-UA" sz="1600" b="1" dirty="0"/>
           </a:p>
         </p:txBody>
       </p:sp>
@@ -5933,6 +4830,42 @@
             <a:extLst>
               <a:ext uri="{FF2B5EF4-FFF2-40B4-BE49-F238E27FC236}">
                 <a16:creationId xmlns:a16="http://schemas.microsoft.com/office/drawing/2014/main" id="{194B637E-0132-4BA7-70FE-1C0B5128E587}"/>
+              </a:ext>
+            </a:extLst>
+          </p:cNvPr>
+          <p:cNvPicPr>
+            <a:picLocks noChangeAspect="1"/>
+          </p:cNvPicPr>
+          <p:nvPr/>
+        </p:nvPicPr>
+        <p:blipFill>
+          <a:blip r:embed="rId15">
+            <a:extLst>
+              <a:ext uri="{28A0092B-C50C-407E-A947-70E740481C1C}">
+                <a14:useLocalDpi xmlns:a14="http://schemas.microsoft.com/office/drawing/2010/main" val="0"/>
+              </a:ext>
+            </a:extLst>
+          </a:blip>
+          <a:stretch>
+            <a:fillRect/>
+          </a:stretch>
+        </p:blipFill>
+        <p:spPr>
+          <a:xfrm>
+            <a:off x="9988493" y="5511539"/>
+            <a:ext cx="470950" cy="627631"/>
+          </a:xfrm>
+          <a:prstGeom prst="rect">
+            <a:avLst/>
+          </a:prstGeom>
+        </p:spPr>
+      </p:pic>
+      <p:pic>
+        <p:nvPicPr>
+          <p:cNvPr id="28" name="Рисунок 27">
+            <a:extLst>
+              <a:ext uri="{FF2B5EF4-FFF2-40B4-BE49-F238E27FC236}">
+                <a16:creationId xmlns:a16="http://schemas.microsoft.com/office/drawing/2014/main" id="{C9270D8E-7AF3-48BA-ECBE-B8B77BD13184}"/>
               </a:ext>
             </a:extLst>
           </p:cNvPr>
@@ -5943,42 +4876,6 @@
         </p:nvPicPr>
         <p:blipFill>
           <a:blip r:embed="rId16">
-            <a:extLst>
-              <a:ext uri="{28A0092B-C50C-407E-A947-70E740481C1C}">
-                <a14:useLocalDpi xmlns:a14="http://schemas.microsoft.com/office/drawing/2010/main" val="0"/>
-              </a:ext>
-            </a:extLst>
-          </a:blip>
-          <a:stretch>
-            <a:fillRect/>
-          </a:stretch>
-        </p:blipFill>
-        <p:spPr>
-          <a:xfrm>
-            <a:off x="9988493" y="5511539"/>
-            <a:ext cx="470950" cy="627631"/>
-          </a:xfrm>
-          <a:prstGeom prst="rect">
-            <a:avLst/>
-          </a:prstGeom>
-        </p:spPr>
-      </p:pic>
-      <p:pic>
-        <p:nvPicPr>
-          <p:cNvPr id="28" name="Рисунок 27">
-            <a:extLst>
-              <a:ext uri="{FF2B5EF4-FFF2-40B4-BE49-F238E27FC236}">
-                <a16:creationId xmlns:a16="http://schemas.microsoft.com/office/drawing/2014/main" id="{C9270D8E-7AF3-48BA-ECBE-B8B77BD13184}"/>
-              </a:ext>
-            </a:extLst>
-          </p:cNvPr>
-          <p:cNvPicPr>
-            <a:picLocks noChangeAspect="1"/>
-          </p:cNvPicPr>
-          <p:nvPr/>
-        </p:nvPicPr>
-        <p:blipFill>
-          <a:blip r:embed="rId17">
             <a:extLst>
               <a:ext uri="{28A0092B-C50C-407E-A947-70E740481C1C}">
                 <a14:useLocalDpi xmlns:a14="http://schemas.microsoft.com/office/drawing/2010/main" val="0"/>
@@ -6084,12 +4981,12 @@
           <a:graphicData uri="http://schemas.openxmlformats.org/presentationml/2006/ole">
             <mc:AlternateContent xmlns:mc="http://schemas.openxmlformats.org/markup-compatibility/2006">
               <mc:Choice xmlns:v="urn:schemas-microsoft-com:vml" Requires="v">
-                <p:oleObj name="Equation" r:id="rId18" imgW="203040" imgH="203040" progId="Equation.DSMT4">
+                <p:oleObj name="Equation" r:id="rId17" imgW="203040" imgH="203040" progId="Equation.DSMT4">
                   <p:embed/>
                 </p:oleObj>
               </mc:Choice>
               <mc:Fallback>
-                <p:oleObj name="Equation" r:id="rId18" imgW="203040" imgH="203040" progId="Equation.DSMT4">
+                <p:oleObj name="Equation" r:id="rId17" imgW="203040" imgH="203040" progId="Equation.DSMT4">
                   <p:embed/>
                   <p:pic>
                     <p:nvPicPr>
@@ -6098,7 +4995,7 @@
                       <p:nvPr/>
                     </p:nvPicPr>
                     <p:blipFill>
-                      <a:blip r:embed="rId19"/>
+                      <a:blip r:embed="rId18"/>
                       <a:stretch>
                         <a:fillRect/>
                       </a:stretch>
@@ -6418,7 +5315,7 @@
         </p:nvSpPr>
         <p:spPr>
           <a:xfrm>
-            <a:off x="9280136" y="3968242"/>
+            <a:off x="8730673" y="3971677"/>
             <a:ext cx="304091" cy="710028"/>
           </a:xfrm>
           <a:prstGeom prst="upArrow">
@@ -6546,12 +5443,12 @@
           <a:graphicData uri="http://schemas.openxmlformats.org/presentationml/2006/ole">
             <mc:AlternateContent xmlns:mc="http://schemas.openxmlformats.org/markup-compatibility/2006">
               <mc:Choice xmlns:v="urn:schemas-microsoft-com:vml" Requires="v">
-                <p:oleObj name="Equation" r:id="rId20" imgW="228600" imgH="203040" progId="Equation.DSMT4">
+                <p:oleObj name="Equation" r:id="rId19" imgW="228600" imgH="203040" progId="Equation.DSMT4">
                   <p:embed/>
                 </p:oleObj>
               </mc:Choice>
               <mc:Fallback>
-                <p:oleObj name="Equation" r:id="rId20" imgW="228600" imgH="203040" progId="Equation.DSMT4">
+                <p:oleObj name="Equation" r:id="rId19" imgW="228600" imgH="203040" progId="Equation.DSMT4">
                   <p:embed/>
                   <p:pic>
                     <p:nvPicPr>
@@ -6566,7 +5463,7 @@
                       <p:nvPr/>
                     </p:nvPicPr>
                     <p:blipFill>
-                      <a:blip r:embed="rId21"/>
+                      <a:blip r:embed="rId20"/>
                       <a:stretch>
                         <a:fillRect/>
                       </a:stretch>
@@ -6615,12 +5512,12 @@
           <a:graphicData uri="http://schemas.openxmlformats.org/presentationml/2006/ole">
             <mc:AlternateContent xmlns:mc="http://schemas.openxmlformats.org/markup-compatibility/2006">
               <mc:Choice xmlns:v="urn:schemas-microsoft-com:vml" Requires="v">
-                <p:oleObj name="Equation" r:id="rId22" imgW="152280" imgH="203040" progId="Equation.DSMT4">
+                <p:oleObj name="Equation" r:id="rId21" imgW="152280" imgH="203040" progId="Equation.DSMT4">
                   <p:embed/>
                 </p:oleObj>
               </mc:Choice>
               <mc:Fallback>
-                <p:oleObj name="Equation" r:id="rId22" imgW="152280" imgH="203040" progId="Equation.DSMT4">
+                <p:oleObj name="Equation" r:id="rId21" imgW="152280" imgH="203040" progId="Equation.DSMT4">
                   <p:embed/>
                   <p:pic>
                     <p:nvPicPr>
@@ -6635,7 +5532,7 @@
                       <p:nvPr/>
                     </p:nvPicPr>
                     <p:blipFill>
-                      <a:blip r:embed="rId23"/>
+                      <a:blip r:embed="rId22"/>
                       <a:stretch>
                         <a:fillRect/>
                       </a:stretch>
@@ -6684,12 +5581,12 @@
           <a:graphicData uri="http://schemas.openxmlformats.org/presentationml/2006/ole">
             <mc:AlternateContent xmlns:mc="http://schemas.openxmlformats.org/markup-compatibility/2006">
               <mc:Choice xmlns:v="urn:schemas-microsoft-com:vml" Requires="v">
-                <p:oleObj name="Equation" r:id="rId24" imgW="215640" imgH="203040" progId="Equation.DSMT4">
+                <p:oleObj name="Equation" r:id="rId23" imgW="215640" imgH="203040" progId="Equation.DSMT4">
                   <p:embed/>
                 </p:oleObj>
               </mc:Choice>
               <mc:Fallback>
-                <p:oleObj name="Equation" r:id="rId24" imgW="215640" imgH="203040" progId="Equation.DSMT4">
+                <p:oleObj name="Equation" r:id="rId23" imgW="215640" imgH="203040" progId="Equation.DSMT4">
                   <p:embed/>
                   <p:pic>
                     <p:nvPicPr>
@@ -6704,7 +5601,7 @@
                       <p:nvPr/>
                     </p:nvPicPr>
                     <p:blipFill>
-                      <a:blip r:embed="rId25"/>
+                      <a:blip r:embed="rId24"/>
                       <a:stretch>
                         <a:fillRect/>
                       </a:stretch>
@@ -6753,12 +5650,12 @@
           <a:graphicData uri="http://schemas.openxmlformats.org/presentationml/2006/ole">
             <mc:AlternateContent xmlns:mc="http://schemas.openxmlformats.org/markup-compatibility/2006">
               <mc:Choice xmlns:v="urn:schemas-microsoft-com:vml" Requires="v">
-                <p:oleObj name="Equation" r:id="rId26" imgW="393480" imgH="203040" progId="Equation.DSMT4">
+                <p:oleObj name="Equation" r:id="rId25" imgW="393480" imgH="203040" progId="Equation.DSMT4">
                   <p:embed/>
                 </p:oleObj>
               </mc:Choice>
               <mc:Fallback>
-                <p:oleObj name="Equation" r:id="rId26" imgW="393480" imgH="203040" progId="Equation.DSMT4">
+                <p:oleObj name="Equation" r:id="rId25" imgW="393480" imgH="203040" progId="Equation.DSMT4">
                   <p:embed/>
                   <p:pic>
                     <p:nvPicPr>
@@ -6773,7 +5670,7 @@
                       <p:nvPr/>
                     </p:nvPicPr>
                     <p:blipFill>
-                      <a:blip r:embed="rId27"/>
+                      <a:blip r:embed="rId26"/>
                       <a:stretch>
                         <a:fillRect/>
                       </a:stretch>
@@ -6822,12 +5719,12 @@
           <a:graphicData uri="http://schemas.openxmlformats.org/presentationml/2006/ole">
             <mc:AlternateContent xmlns:mc="http://schemas.openxmlformats.org/markup-compatibility/2006">
               <mc:Choice xmlns:v="urn:schemas-microsoft-com:vml" Requires="v">
-                <p:oleObj name="Equation" r:id="rId28" imgW="304560" imgH="215640" progId="Equation.DSMT4">
+                <p:oleObj name="Equation" r:id="rId27" imgW="304560" imgH="215640" progId="Equation.DSMT4">
                   <p:embed/>
                 </p:oleObj>
               </mc:Choice>
               <mc:Fallback>
-                <p:oleObj name="Equation" r:id="rId28" imgW="304560" imgH="215640" progId="Equation.DSMT4">
+                <p:oleObj name="Equation" r:id="rId27" imgW="304560" imgH="215640" progId="Equation.DSMT4">
                   <p:embed/>
                   <p:pic>
                     <p:nvPicPr>
@@ -6842,7 +5739,7 @@
                       <p:nvPr/>
                     </p:nvPicPr>
                     <p:blipFill>
-                      <a:blip r:embed="rId29"/>
+                      <a:blip r:embed="rId28"/>
                       <a:stretch>
                         <a:fillRect/>
                       </a:stretch>
@@ -6891,12 +5788,12 @@
           <a:graphicData uri="http://schemas.openxmlformats.org/presentationml/2006/ole">
             <mc:AlternateContent xmlns:mc="http://schemas.openxmlformats.org/markup-compatibility/2006">
               <mc:Choice xmlns:v="urn:schemas-microsoft-com:vml" Requires="v">
-                <p:oleObj name="Equation" r:id="rId30" imgW="190440" imgH="228600" progId="Equation.DSMT4">
+                <p:oleObj name="Equation" r:id="rId29" imgW="190440" imgH="228600" progId="Equation.DSMT4">
                   <p:embed/>
                 </p:oleObj>
               </mc:Choice>
               <mc:Fallback>
-                <p:oleObj name="Equation" r:id="rId30" imgW="190440" imgH="228600" progId="Equation.DSMT4">
+                <p:oleObj name="Equation" r:id="rId29" imgW="190440" imgH="228600" progId="Equation.DSMT4">
                   <p:embed/>
                   <p:pic>
                     <p:nvPicPr>
@@ -6911,7 +5808,7 @@
                       <p:nvPr/>
                     </p:nvPicPr>
                     <p:blipFill>
-                      <a:blip r:embed="rId31"/>
+                      <a:blip r:embed="rId30"/>
                       <a:stretch>
                         <a:fillRect/>
                       </a:stretch>
@@ -6947,25 +5844,25 @@
           <p:nvPr>
             <p:extLst>
               <p:ext uri="{D42A27DB-BD31-4B8C-83A1-F6EECF244321}">
-                <p14:modId xmlns:p14="http://schemas.microsoft.com/office/powerpoint/2010/main" val="403828593"/>
+                <p14:modId xmlns:p14="http://schemas.microsoft.com/office/powerpoint/2010/main" val="694660329"/>
               </p:ext>
             </p:extLst>
           </p:nvPr>
         </p:nvGraphicFramePr>
         <p:xfrm>
-          <a:off x="9638394" y="4143507"/>
+          <a:off x="9154641" y="4148130"/>
           <a:ext cx="438150" cy="474662"/>
         </p:xfrm>
         <a:graphic>
           <a:graphicData uri="http://schemas.openxmlformats.org/presentationml/2006/ole">
             <mc:AlternateContent xmlns:mc="http://schemas.openxmlformats.org/markup-compatibility/2006">
               <mc:Choice xmlns:v="urn:schemas-microsoft-com:vml" Requires="v">
-                <p:oleObj name="Equation" r:id="rId32" imgW="152280" imgH="164880" progId="Equation.DSMT4">
+                <p:oleObj name="Equation" r:id="rId31" imgW="152280" imgH="164880" progId="Equation.DSMT4">
                   <p:embed/>
                 </p:oleObj>
               </mc:Choice>
               <mc:Fallback>
-                <p:oleObj name="Equation" r:id="rId32" imgW="152280" imgH="164880" progId="Equation.DSMT4">
+                <p:oleObj name="Equation" r:id="rId31" imgW="152280" imgH="164880" progId="Equation.DSMT4">
                   <p:embed/>
                   <p:pic>
                     <p:nvPicPr>
@@ -6980,14 +5877,14 @@
                       <p:nvPr/>
                     </p:nvPicPr>
                     <p:blipFill>
-                      <a:blip r:embed="rId33"/>
+                      <a:blip r:embed="rId32"/>
                       <a:stretch>
                         <a:fillRect/>
                       </a:stretch>
                     </p:blipFill>
                     <p:spPr>
                       <a:xfrm>
-                        <a:off x="9638394" y="4143507"/>
+                        <a:off x="9154641" y="4148130"/>
                         <a:ext cx="438150" cy="474662"/>
                       </a:xfrm>
                       <a:prstGeom prst="rect">
@@ -7016,7 +5913,7 @@
           <p:nvPr/>
         </p:nvPicPr>
         <p:blipFill>
-          <a:blip r:embed="rId34">
+          <a:blip r:embed="rId33">
             <a:extLst>
               <a:ext uri="{28A0092B-C50C-407E-A947-70E740481C1C}">
                 <a14:useLocalDpi xmlns:a14="http://schemas.microsoft.com/office/drawing/2010/main" val="0"/>
@@ -7037,12 +5934,790 @@
           </a:prstGeom>
         </p:spPr>
       </p:pic>
+      <p:sp>
+        <p:nvSpPr>
+          <p:cNvPr id="4" name="Rectangle: Rounded Corners 45">
+            <a:extLst>
+              <a:ext uri="{FF2B5EF4-FFF2-40B4-BE49-F238E27FC236}">
+                <a16:creationId xmlns:a16="http://schemas.microsoft.com/office/drawing/2014/main" id="{1385E9FE-9F8F-9D46-034F-82776E99FFCF}"/>
+              </a:ext>
+            </a:extLst>
+          </p:cNvPr>
+          <p:cNvSpPr/>
+          <p:nvPr/>
+        </p:nvSpPr>
+        <p:spPr>
+          <a:xfrm>
+            <a:off x="8094795" y="287367"/>
+            <a:ext cx="2995992" cy="1424189"/>
+          </a:xfrm>
+          <a:prstGeom prst="roundRect">
+            <a:avLst/>
+          </a:prstGeom>
+          <a:noFill/>
+          <a:ln w="28575"/>
+          <a:effectLst>
+            <a:outerShdw blurRad="50800" dist="38100" algn="l" rotWithShape="0">
+              <a:prstClr val="black">
+                <a:alpha val="40000"/>
+              </a:prstClr>
+            </a:outerShdw>
+          </a:effectLst>
+        </p:spPr>
+        <p:style>
+          <a:lnRef idx="2">
+            <a:schemeClr val="accent1">
+              <a:shade val="15000"/>
+            </a:schemeClr>
+          </a:lnRef>
+          <a:fillRef idx="1">
+            <a:schemeClr val="accent1"/>
+          </a:fillRef>
+          <a:effectRef idx="0">
+            <a:schemeClr val="accent1"/>
+          </a:effectRef>
+          <a:fontRef idx="minor">
+            <a:schemeClr val="lt1"/>
+          </a:fontRef>
+        </p:style>
+        <p:txBody>
+          <a:bodyPr lIns="0" tIns="0" rIns="0" rtlCol="0" anchor="t" anchorCtr="0"/>
+          <a:lstStyle/>
+          <a:p>
+            <a:pPr algn="ctr">
+              <a:lnSpc>
+                <a:spcPts val="2500"/>
+              </a:lnSpc>
+            </a:pPr>
+            <a:r>
+              <a:rPr lang="en-US" sz="2400" b="1" dirty="0">
+                <a:solidFill>
+                  <a:schemeClr val="tx1">
+                    <a:lumMod val="65000"/>
+                    <a:lumOff val="35000"/>
+                  </a:schemeClr>
+                </a:solidFill>
+              </a:rPr>
+              <a:t>conclusion</a:t>
+            </a:r>
+            <a:endParaRPr lang="ru-UA" sz="2400" b="1" dirty="0">
+              <a:solidFill>
+                <a:schemeClr val="tx1">
+                  <a:lumMod val="65000"/>
+                  <a:lumOff val="35000"/>
+                </a:schemeClr>
+              </a:solidFill>
+            </a:endParaRPr>
+          </a:p>
+        </p:txBody>
+      </p:sp>
+      <p:sp>
+        <p:nvSpPr>
+          <p:cNvPr id="13" name="Стрілка: угору 12">
+            <a:extLst>
+              <a:ext uri="{FF2B5EF4-FFF2-40B4-BE49-F238E27FC236}">
+                <a16:creationId xmlns:a16="http://schemas.microsoft.com/office/drawing/2014/main" id="{C08B6DBE-9076-E0D2-78BC-0ECBB03A7C29}"/>
+              </a:ext>
+            </a:extLst>
+          </p:cNvPr>
+          <p:cNvSpPr/>
+          <p:nvPr/>
+        </p:nvSpPr>
+        <p:spPr>
+          <a:xfrm>
+            <a:off x="8709927" y="1779061"/>
+            <a:ext cx="304091" cy="547277"/>
+          </a:xfrm>
+          <a:prstGeom prst="upArrow">
+            <a:avLst>
+              <a:gd name="adj1" fmla="val 44219"/>
+              <a:gd name="adj2" fmla="val 63642"/>
+            </a:avLst>
+          </a:prstGeom>
+          <a:solidFill>
+            <a:schemeClr val="bg1"/>
+          </a:solidFill>
+          <a:ln w="28575">
+            <a:solidFill>
+              <a:srgbClr val="4472C4"/>
+            </a:solidFill>
+          </a:ln>
+        </p:spPr>
+        <p:style>
+          <a:lnRef idx="2">
+            <a:schemeClr val="accent1">
+              <a:shade val="15000"/>
+            </a:schemeClr>
+          </a:lnRef>
+          <a:fillRef idx="1">
+            <a:schemeClr val="accent1"/>
+          </a:fillRef>
+          <a:effectRef idx="0">
+            <a:schemeClr val="accent1"/>
+          </a:effectRef>
+          <a:fontRef idx="minor">
+            <a:schemeClr val="lt1"/>
+          </a:fontRef>
+        </p:style>
+        <p:txBody>
+          <a:bodyPr rtlCol="0" anchor="ctr"/>
+          <a:lstStyle/>
+          <a:p>
+            <a:pPr algn="ctr"/>
+            <a:endParaRPr lang="uk-UA"/>
+          </a:p>
+        </p:txBody>
+      </p:sp>
+      <p:graphicFrame>
+        <p:nvGraphicFramePr>
+          <p:cNvPr id="14" name="Об'єкт 13">
+            <a:extLst>
+              <a:ext uri="{FF2B5EF4-FFF2-40B4-BE49-F238E27FC236}">
+                <a16:creationId xmlns:a16="http://schemas.microsoft.com/office/drawing/2014/main" id="{DBFA31E2-86E2-41F7-1F83-6DF22378C358}"/>
+              </a:ext>
+            </a:extLst>
+          </p:cNvPr>
+          <p:cNvGraphicFramePr>
+            <a:graphicFrameLocks noChangeAspect="1"/>
+          </p:cNvGraphicFramePr>
+          <p:nvPr>
+            <p:extLst>
+              <p:ext uri="{D42A27DB-BD31-4B8C-83A1-F6EECF244321}">
+                <p14:modId xmlns:p14="http://schemas.microsoft.com/office/powerpoint/2010/main" val="3377750037"/>
+              </p:ext>
+            </p:extLst>
+          </p:nvPr>
+        </p:nvGraphicFramePr>
+        <p:xfrm>
+          <a:off x="9087542" y="1868040"/>
+          <a:ext cx="474662" cy="438150"/>
+        </p:xfrm>
+        <a:graphic>
+          <a:graphicData uri="http://schemas.openxmlformats.org/presentationml/2006/ole">
+            <mc:AlternateContent xmlns:mc="http://schemas.openxmlformats.org/markup-compatibility/2006">
+              <mc:Choice xmlns:v="urn:schemas-microsoft-com:vml" Requires="v">
+                <p:oleObj name="Equation" r:id="rId34" imgW="164880" imgH="152280" progId="Equation.DSMT4">
+                  <p:embed/>
+                </p:oleObj>
+              </mc:Choice>
+              <mc:Fallback>
+                <p:oleObj name="Equation" r:id="rId34" imgW="164880" imgH="152280" progId="Equation.DSMT4">
+                  <p:embed/>
+                  <p:pic>
+                    <p:nvPicPr>
+                      <p:cNvPr id="76" name="Об'єкт 75">
+                        <a:extLst>
+                          <a:ext uri="{FF2B5EF4-FFF2-40B4-BE49-F238E27FC236}">
+                            <a16:creationId xmlns:a16="http://schemas.microsoft.com/office/drawing/2014/main" id="{0BB84D42-5CB4-0204-3576-4A5A61208D59}"/>
+                          </a:ext>
+                        </a:extLst>
+                      </p:cNvPr>
+                      <p:cNvPicPr/>
+                      <p:nvPr/>
+                    </p:nvPicPr>
+                    <p:blipFill>
+                      <a:blip r:embed="rId35"/>
+                      <a:stretch>
+                        <a:fillRect/>
+                      </a:stretch>
+                    </p:blipFill>
+                    <p:spPr>
+                      <a:xfrm>
+                        <a:off x="9087542" y="1868040"/>
+                        <a:ext cx="474662" cy="438150"/>
+                      </a:xfrm>
+                      <a:prstGeom prst="rect">
+                        <a:avLst/>
+                      </a:prstGeom>
+                    </p:spPr>
+                  </p:pic>
+                </p:oleObj>
+              </mc:Fallback>
+            </mc:AlternateContent>
+          </a:graphicData>
+        </a:graphic>
+      </p:graphicFrame>
+      <p:sp>
+        <p:nvSpPr>
+          <p:cNvPr id="15" name="Овал 14">
+            <a:extLst>
+              <a:ext uri="{FF2B5EF4-FFF2-40B4-BE49-F238E27FC236}">
+                <a16:creationId xmlns:a16="http://schemas.microsoft.com/office/drawing/2014/main" id="{14AA5143-0875-0D86-D032-355B16196EB4}"/>
+              </a:ext>
+            </a:extLst>
+          </p:cNvPr>
+          <p:cNvSpPr/>
+          <p:nvPr/>
+        </p:nvSpPr>
+        <p:spPr>
+          <a:xfrm>
+            <a:off x="1078140" y="2641088"/>
+            <a:ext cx="235974" cy="235974"/>
+          </a:xfrm>
+          <a:prstGeom prst="ellipse">
+            <a:avLst/>
+          </a:prstGeom>
+          <a:solidFill>
+            <a:srgbClr val="FFFF00"/>
+          </a:solidFill>
+        </p:spPr>
+        <p:style>
+          <a:lnRef idx="2">
+            <a:schemeClr val="accent1">
+              <a:shade val="15000"/>
+            </a:schemeClr>
+          </a:lnRef>
+          <a:fillRef idx="1">
+            <a:schemeClr val="accent1"/>
+          </a:fillRef>
+          <a:effectRef idx="0">
+            <a:schemeClr val="accent1"/>
+          </a:effectRef>
+          <a:fontRef idx="minor">
+            <a:schemeClr val="lt1"/>
+          </a:fontRef>
+        </p:style>
+        <p:txBody>
+          <a:bodyPr rtlCol="0" anchor="ctr"/>
+          <a:lstStyle/>
+          <a:p>
+            <a:pPr algn="ctr"/>
+            <a:r>
+              <a:rPr lang="en-US" b="1" dirty="0">
+                <a:solidFill>
+                  <a:schemeClr val="tx1"/>
+                </a:solidFill>
+              </a:rPr>
+              <a:t>1</a:t>
+            </a:r>
+            <a:endParaRPr lang="uk-UA" b="1" dirty="0">
+              <a:solidFill>
+                <a:schemeClr val="tx1"/>
+              </a:solidFill>
+            </a:endParaRPr>
+          </a:p>
+        </p:txBody>
+      </p:sp>
+      <p:sp>
+        <p:nvSpPr>
+          <p:cNvPr id="16" name="Овал 15">
+            <a:extLst>
+              <a:ext uri="{FF2B5EF4-FFF2-40B4-BE49-F238E27FC236}">
+                <a16:creationId xmlns:a16="http://schemas.microsoft.com/office/drawing/2014/main" id="{51B525DF-B590-EB6C-0B38-7DB41E76018D}"/>
+              </a:ext>
+            </a:extLst>
+          </p:cNvPr>
+          <p:cNvSpPr/>
+          <p:nvPr/>
+        </p:nvSpPr>
+        <p:spPr>
+          <a:xfrm>
+            <a:off x="1065850" y="404671"/>
+            <a:ext cx="235974" cy="235974"/>
+          </a:xfrm>
+          <a:prstGeom prst="ellipse">
+            <a:avLst/>
+          </a:prstGeom>
+          <a:solidFill>
+            <a:srgbClr val="FFFF00"/>
+          </a:solidFill>
+        </p:spPr>
+        <p:style>
+          <a:lnRef idx="2">
+            <a:schemeClr val="accent1">
+              <a:shade val="15000"/>
+            </a:schemeClr>
+          </a:lnRef>
+          <a:fillRef idx="1">
+            <a:schemeClr val="accent1"/>
+          </a:fillRef>
+          <a:effectRef idx="0">
+            <a:schemeClr val="accent1"/>
+          </a:effectRef>
+          <a:fontRef idx="minor">
+            <a:schemeClr val="lt1"/>
+          </a:fontRef>
+        </p:style>
+        <p:txBody>
+          <a:bodyPr rtlCol="0" anchor="ctr"/>
+          <a:lstStyle/>
+          <a:p>
+            <a:pPr algn="ctr"/>
+            <a:r>
+              <a:rPr lang="en-US" b="1" dirty="0">
+                <a:solidFill>
+                  <a:schemeClr val="tx1"/>
+                </a:solidFill>
+              </a:rPr>
+              <a:t>2</a:t>
+            </a:r>
+            <a:endParaRPr lang="uk-UA" b="1" dirty="0">
+              <a:solidFill>
+                <a:schemeClr val="tx1"/>
+              </a:solidFill>
+            </a:endParaRPr>
+          </a:p>
+        </p:txBody>
+      </p:sp>
+      <p:sp>
+        <p:nvSpPr>
+          <p:cNvPr id="17" name="Овал 16">
+            <a:extLst>
+              <a:ext uri="{FF2B5EF4-FFF2-40B4-BE49-F238E27FC236}">
+                <a16:creationId xmlns:a16="http://schemas.microsoft.com/office/drawing/2014/main" id="{4B6D8F97-5A47-8CF7-7E52-3AA1AE83689C}"/>
+              </a:ext>
+            </a:extLst>
+          </p:cNvPr>
+          <p:cNvSpPr/>
+          <p:nvPr/>
+        </p:nvSpPr>
+        <p:spPr>
+          <a:xfrm>
+            <a:off x="4536708" y="404671"/>
+            <a:ext cx="235974" cy="235974"/>
+          </a:xfrm>
+          <a:prstGeom prst="ellipse">
+            <a:avLst/>
+          </a:prstGeom>
+          <a:solidFill>
+            <a:srgbClr val="FFFF00"/>
+          </a:solidFill>
+        </p:spPr>
+        <p:style>
+          <a:lnRef idx="2">
+            <a:schemeClr val="accent1">
+              <a:shade val="15000"/>
+            </a:schemeClr>
+          </a:lnRef>
+          <a:fillRef idx="1">
+            <a:schemeClr val="accent1"/>
+          </a:fillRef>
+          <a:effectRef idx="0">
+            <a:schemeClr val="accent1"/>
+          </a:effectRef>
+          <a:fontRef idx="minor">
+            <a:schemeClr val="lt1"/>
+          </a:fontRef>
+        </p:style>
+        <p:txBody>
+          <a:bodyPr rtlCol="0" anchor="ctr"/>
+          <a:lstStyle/>
+          <a:p>
+            <a:pPr algn="ctr"/>
+            <a:r>
+              <a:rPr lang="en-US" b="1" dirty="0">
+                <a:solidFill>
+                  <a:schemeClr val="tx1"/>
+                </a:solidFill>
+              </a:rPr>
+              <a:t>3</a:t>
+            </a:r>
+            <a:endParaRPr lang="uk-UA" b="1" dirty="0">
+              <a:solidFill>
+                <a:schemeClr val="tx1"/>
+              </a:solidFill>
+            </a:endParaRPr>
+          </a:p>
+        </p:txBody>
+      </p:sp>
+      <p:sp>
+        <p:nvSpPr>
+          <p:cNvPr id="21" name="Овал 20">
+            <a:extLst>
+              <a:ext uri="{FF2B5EF4-FFF2-40B4-BE49-F238E27FC236}">
+                <a16:creationId xmlns:a16="http://schemas.microsoft.com/office/drawing/2014/main" id="{DEC0BBE1-4629-C3A2-1697-DECF99C360D7}"/>
+              </a:ext>
+            </a:extLst>
+          </p:cNvPr>
+          <p:cNvSpPr/>
+          <p:nvPr/>
+        </p:nvSpPr>
+        <p:spPr>
+          <a:xfrm>
+            <a:off x="4507219" y="2672850"/>
+            <a:ext cx="235974" cy="235974"/>
+          </a:xfrm>
+          <a:prstGeom prst="ellipse">
+            <a:avLst/>
+          </a:prstGeom>
+          <a:solidFill>
+            <a:srgbClr val="FFFF00"/>
+          </a:solidFill>
+        </p:spPr>
+        <p:style>
+          <a:lnRef idx="2">
+            <a:schemeClr val="accent1">
+              <a:shade val="15000"/>
+            </a:schemeClr>
+          </a:lnRef>
+          <a:fillRef idx="1">
+            <a:schemeClr val="accent1"/>
+          </a:fillRef>
+          <a:effectRef idx="0">
+            <a:schemeClr val="accent1"/>
+          </a:effectRef>
+          <a:fontRef idx="minor">
+            <a:schemeClr val="lt1"/>
+          </a:fontRef>
+        </p:style>
+        <p:txBody>
+          <a:bodyPr rtlCol="0" anchor="ctr"/>
+          <a:lstStyle/>
+          <a:p>
+            <a:pPr algn="ctr"/>
+            <a:r>
+              <a:rPr lang="en-US" b="1" dirty="0">
+                <a:solidFill>
+                  <a:schemeClr val="tx1"/>
+                </a:solidFill>
+              </a:rPr>
+              <a:t>4</a:t>
+            </a:r>
+            <a:endParaRPr lang="uk-UA" b="1" dirty="0">
+              <a:solidFill>
+                <a:schemeClr val="tx1"/>
+              </a:solidFill>
+            </a:endParaRPr>
+          </a:p>
+        </p:txBody>
+      </p:sp>
+      <p:sp>
+        <p:nvSpPr>
+          <p:cNvPr id="22" name="Овал 21">
+            <a:extLst>
+              <a:ext uri="{FF2B5EF4-FFF2-40B4-BE49-F238E27FC236}">
+                <a16:creationId xmlns:a16="http://schemas.microsoft.com/office/drawing/2014/main" id="{887AB5A2-E269-3A2B-BCA7-78BD98C9864C}"/>
+              </a:ext>
+            </a:extLst>
+          </p:cNvPr>
+          <p:cNvSpPr/>
+          <p:nvPr/>
+        </p:nvSpPr>
+        <p:spPr>
+          <a:xfrm>
+            <a:off x="4418721" y="4939054"/>
+            <a:ext cx="235974" cy="235974"/>
+          </a:xfrm>
+          <a:prstGeom prst="ellipse">
+            <a:avLst/>
+          </a:prstGeom>
+          <a:solidFill>
+            <a:srgbClr val="FFFF00"/>
+          </a:solidFill>
+        </p:spPr>
+        <p:style>
+          <a:lnRef idx="2">
+            <a:schemeClr val="accent1">
+              <a:shade val="15000"/>
+            </a:schemeClr>
+          </a:lnRef>
+          <a:fillRef idx="1">
+            <a:schemeClr val="accent1"/>
+          </a:fillRef>
+          <a:effectRef idx="0">
+            <a:schemeClr val="accent1"/>
+          </a:effectRef>
+          <a:fontRef idx="minor">
+            <a:schemeClr val="lt1"/>
+          </a:fontRef>
+        </p:style>
+        <p:txBody>
+          <a:bodyPr rtlCol="0" anchor="ctr"/>
+          <a:lstStyle/>
+          <a:p>
+            <a:pPr algn="ctr"/>
+            <a:r>
+              <a:rPr lang="en-US" b="1" dirty="0">
+                <a:solidFill>
+                  <a:schemeClr val="tx1"/>
+                </a:solidFill>
+              </a:rPr>
+              <a:t>5</a:t>
+            </a:r>
+            <a:endParaRPr lang="uk-UA" b="1" dirty="0">
+              <a:solidFill>
+                <a:schemeClr val="tx1"/>
+              </a:solidFill>
+            </a:endParaRPr>
+          </a:p>
+        </p:txBody>
+      </p:sp>
+      <p:sp>
+        <p:nvSpPr>
+          <p:cNvPr id="30" name="Овал 29">
+            <a:extLst>
+              <a:ext uri="{FF2B5EF4-FFF2-40B4-BE49-F238E27FC236}">
+                <a16:creationId xmlns:a16="http://schemas.microsoft.com/office/drawing/2014/main" id="{FC667608-3865-26AA-F255-6341202A183D}"/>
+              </a:ext>
+            </a:extLst>
+          </p:cNvPr>
+          <p:cNvSpPr/>
+          <p:nvPr/>
+        </p:nvSpPr>
+        <p:spPr>
+          <a:xfrm>
+            <a:off x="8222828" y="4873718"/>
+            <a:ext cx="235974" cy="235974"/>
+          </a:xfrm>
+          <a:prstGeom prst="ellipse">
+            <a:avLst/>
+          </a:prstGeom>
+          <a:solidFill>
+            <a:srgbClr val="FFFF00"/>
+          </a:solidFill>
+        </p:spPr>
+        <p:style>
+          <a:lnRef idx="2">
+            <a:schemeClr val="accent1">
+              <a:shade val="15000"/>
+            </a:schemeClr>
+          </a:lnRef>
+          <a:fillRef idx="1">
+            <a:schemeClr val="accent1"/>
+          </a:fillRef>
+          <a:effectRef idx="0">
+            <a:schemeClr val="accent1"/>
+          </a:effectRef>
+          <a:fontRef idx="minor">
+            <a:schemeClr val="lt1"/>
+          </a:fontRef>
+        </p:style>
+        <p:txBody>
+          <a:bodyPr rtlCol="0" anchor="ctr"/>
+          <a:lstStyle/>
+          <a:p>
+            <a:pPr algn="ctr"/>
+            <a:r>
+              <a:rPr lang="en-US" b="1" dirty="0">
+                <a:solidFill>
+                  <a:schemeClr val="tx1"/>
+                </a:solidFill>
+              </a:rPr>
+              <a:t>6</a:t>
+            </a:r>
+            <a:endParaRPr lang="uk-UA" b="1" dirty="0">
+              <a:solidFill>
+                <a:schemeClr val="tx1"/>
+              </a:solidFill>
+            </a:endParaRPr>
+          </a:p>
+        </p:txBody>
+      </p:sp>
+      <p:sp>
+        <p:nvSpPr>
+          <p:cNvPr id="41" name="Овал 40">
+            <a:extLst>
+              <a:ext uri="{FF2B5EF4-FFF2-40B4-BE49-F238E27FC236}">
+                <a16:creationId xmlns:a16="http://schemas.microsoft.com/office/drawing/2014/main" id="{5BCAE396-91A4-BFE2-9DA9-4E67505ED8C4}"/>
+              </a:ext>
+            </a:extLst>
+          </p:cNvPr>
+          <p:cNvSpPr/>
+          <p:nvPr/>
+        </p:nvSpPr>
+        <p:spPr>
+          <a:xfrm>
+            <a:off x="8238903" y="404671"/>
+            <a:ext cx="235974" cy="235974"/>
+          </a:xfrm>
+          <a:prstGeom prst="ellipse">
+            <a:avLst/>
+          </a:prstGeom>
+          <a:solidFill>
+            <a:srgbClr val="FFFF00"/>
+          </a:solidFill>
+        </p:spPr>
+        <p:style>
+          <a:lnRef idx="2">
+            <a:schemeClr val="accent1">
+              <a:shade val="15000"/>
+            </a:schemeClr>
+          </a:lnRef>
+          <a:fillRef idx="1">
+            <a:schemeClr val="accent1"/>
+          </a:fillRef>
+          <a:effectRef idx="0">
+            <a:schemeClr val="accent1"/>
+          </a:effectRef>
+          <a:fontRef idx="minor">
+            <a:schemeClr val="lt1"/>
+          </a:fontRef>
+        </p:style>
+        <p:txBody>
+          <a:bodyPr rtlCol="0" anchor="ctr"/>
+          <a:lstStyle/>
+          <a:p>
+            <a:pPr algn="ctr"/>
+            <a:r>
+              <a:rPr lang="en-US" b="1" dirty="0">
+                <a:solidFill>
+                  <a:schemeClr val="tx1"/>
+                </a:solidFill>
+              </a:rPr>
+              <a:t>8</a:t>
+            </a:r>
+            <a:endParaRPr lang="uk-UA" b="1" dirty="0">
+              <a:solidFill>
+                <a:schemeClr val="tx1"/>
+              </a:solidFill>
+            </a:endParaRPr>
+          </a:p>
+        </p:txBody>
+      </p:sp>
+      <p:sp>
+        <p:nvSpPr>
+          <p:cNvPr id="45" name="Овал 44">
+            <a:extLst>
+              <a:ext uri="{FF2B5EF4-FFF2-40B4-BE49-F238E27FC236}">
+                <a16:creationId xmlns:a16="http://schemas.microsoft.com/office/drawing/2014/main" id="{9EBFE7A2-6853-688D-3DF8-BEFA7336E1F4}"/>
+              </a:ext>
+            </a:extLst>
+          </p:cNvPr>
+          <p:cNvSpPr/>
+          <p:nvPr/>
+        </p:nvSpPr>
+        <p:spPr>
+          <a:xfrm>
+            <a:off x="8316907" y="2432749"/>
+            <a:ext cx="235974" cy="235974"/>
+          </a:xfrm>
+          <a:prstGeom prst="ellipse">
+            <a:avLst/>
+          </a:prstGeom>
+          <a:solidFill>
+            <a:srgbClr val="FFFF00"/>
+          </a:solidFill>
+        </p:spPr>
+        <p:style>
+          <a:lnRef idx="2">
+            <a:schemeClr val="accent1">
+              <a:shade val="15000"/>
+            </a:schemeClr>
+          </a:lnRef>
+          <a:fillRef idx="1">
+            <a:schemeClr val="accent1"/>
+          </a:fillRef>
+          <a:effectRef idx="0">
+            <a:schemeClr val="accent1"/>
+          </a:effectRef>
+          <a:fontRef idx="minor">
+            <a:schemeClr val="lt1"/>
+          </a:fontRef>
+        </p:style>
+        <p:txBody>
+          <a:bodyPr rtlCol="0" anchor="ctr"/>
+          <a:lstStyle/>
+          <a:p>
+            <a:pPr algn="ctr"/>
+            <a:r>
+              <a:rPr lang="en-US" b="1" dirty="0">
+                <a:solidFill>
+                  <a:schemeClr val="tx1"/>
+                </a:solidFill>
+              </a:rPr>
+              <a:t>7</a:t>
+            </a:r>
+            <a:endParaRPr lang="uk-UA" b="1" dirty="0">
+              <a:solidFill>
+                <a:schemeClr val="tx1"/>
+              </a:solidFill>
+            </a:endParaRPr>
+          </a:p>
+        </p:txBody>
+      </p:sp>
+      <p:sp>
+        <p:nvSpPr>
+          <p:cNvPr id="48" name="TextBox 47">
+            <a:extLst>
+              <a:ext uri="{FF2B5EF4-FFF2-40B4-BE49-F238E27FC236}">
+                <a16:creationId xmlns:a16="http://schemas.microsoft.com/office/drawing/2014/main" id="{4784A895-9A08-7B3E-956D-0F21AF75E935}"/>
+              </a:ext>
+            </a:extLst>
+          </p:cNvPr>
+          <p:cNvSpPr txBox="1"/>
+          <p:nvPr/>
+        </p:nvSpPr>
+        <p:spPr>
+          <a:xfrm>
+            <a:off x="8152092" y="668956"/>
+            <a:ext cx="1950426" cy="1000274"/>
+          </a:xfrm>
+          <a:prstGeom prst="rect">
+            <a:avLst/>
+          </a:prstGeom>
+          <a:noFill/>
+        </p:spPr>
+        <p:txBody>
+          <a:bodyPr wrap="square" rtlCol="0">
+            <a:spAutoFit/>
+          </a:bodyPr>
+          <a:lstStyle/>
+          <a:p>
+            <a:pPr marL="285750" indent="-285750">
+              <a:spcAft>
+                <a:spcPts val="600"/>
+              </a:spcAft>
+              <a:buFont typeface="Wingdings" panose="05000000000000000000" pitchFamily="2" charset="2"/>
+              <a:buChar char="ü"/>
+            </a:pPr>
+            <a:r>
+              <a:rPr lang="en-US" b="1" dirty="0">
+                <a:solidFill>
+                  <a:srgbClr val="009900"/>
+                </a:solidFill>
+                <a:latin typeface="Arial" panose="020B0604020202020204" pitchFamily="34" charset="0"/>
+                <a:cs typeface="Arial" panose="020B0604020202020204" pitchFamily="34" charset="0"/>
+              </a:rPr>
+              <a:t>K depends on light</a:t>
+            </a:r>
+          </a:p>
+          <a:p>
+            <a:pPr marL="285750" indent="-285750">
+              <a:buFont typeface="Wingdings" panose="05000000000000000000" pitchFamily="2" charset="2"/>
+              <a:buChar char="ü"/>
+            </a:pPr>
+            <a:r>
+              <a:rPr lang="en-US" b="1" dirty="0" err="1">
+                <a:solidFill>
+                  <a:schemeClr val="accent1">
+                    <a:lumMod val="75000"/>
+                  </a:schemeClr>
+                </a:solidFill>
+                <a:latin typeface="Arial" panose="020B0604020202020204" pitchFamily="34" charset="0"/>
+                <a:cs typeface="Arial" panose="020B0604020202020204" pitchFamily="34" charset="0"/>
+              </a:rPr>
+              <a:t>REDR</a:t>
+            </a:r>
+            <a:r>
+              <a:rPr lang="en-US" b="1" dirty="0">
+                <a:solidFill>
+                  <a:schemeClr val="accent1">
+                    <a:lumMod val="75000"/>
+                  </a:schemeClr>
+                </a:solidFill>
+                <a:latin typeface="Arial" panose="020B0604020202020204" pitchFamily="34" charset="0"/>
+                <a:cs typeface="Arial" panose="020B0604020202020204" pitchFamily="34" charset="0"/>
+              </a:rPr>
+              <a:t> !</a:t>
+            </a:r>
+            <a:endParaRPr lang="uk-UA" b="1" dirty="0">
+              <a:solidFill>
+                <a:schemeClr val="accent1">
+                  <a:lumMod val="75000"/>
+                </a:schemeClr>
+              </a:solidFill>
+              <a:latin typeface="Arial" panose="020B0604020202020204" pitchFamily="34" charset="0"/>
+              <a:cs typeface="Arial" panose="020B0604020202020204" pitchFamily="34" charset="0"/>
+            </a:endParaRPr>
+          </a:p>
+        </p:txBody>
+      </p:sp>
       <p:pic>
         <p:nvPicPr>
-          <p:cNvPr id="3" name="Рисунок 2">
-            <a:extLst>
-              <a:ext uri="{FF2B5EF4-FFF2-40B4-BE49-F238E27FC236}">
-                <a16:creationId xmlns:a16="http://schemas.microsoft.com/office/drawing/2014/main" id="{E08CD8A0-DC98-9F4F-47E8-C3F1D09E5845}"/>
+          <p:cNvPr id="51" name="Рисунок 50">
+            <a:extLst>
+              <a:ext uri="{FF2B5EF4-FFF2-40B4-BE49-F238E27FC236}">
+                <a16:creationId xmlns:a16="http://schemas.microsoft.com/office/drawing/2014/main" id="{D1923EE3-3799-B6EA-C199-47248CCD4637}"/>
               </a:ext>
             </a:extLst>
           </p:cNvPr>
@@ -7052,15 +6727,238 @@
           <p:nvPr/>
         </p:nvPicPr>
         <p:blipFill>
-          <a:blip r:embed="rId35"/>
+          <a:blip r:embed="rId36"/>
           <a:stretch>
             <a:fillRect/>
           </a:stretch>
         </p:blipFill>
         <p:spPr>
           <a:xfrm>
-            <a:off x="8730920" y="2663983"/>
-            <a:ext cx="1079721" cy="784451"/>
+            <a:off x="8917608" y="2730103"/>
+            <a:ext cx="1254344" cy="901079"/>
+          </a:xfrm>
+          <a:prstGeom prst="rect">
+            <a:avLst/>
+          </a:prstGeom>
+        </p:spPr>
+      </p:pic>
+      <p:pic>
+        <p:nvPicPr>
+          <p:cNvPr id="52" name="Рисунок 51">
+            <a:extLst>
+              <a:ext uri="{FF2B5EF4-FFF2-40B4-BE49-F238E27FC236}">
+                <a16:creationId xmlns:a16="http://schemas.microsoft.com/office/drawing/2014/main" id="{98FEED12-99A8-B546-007D-EE55182ED0DF}"/>
+              </a:ext>
+            </a:extLst>
+          </p:cNvPr>
+          <p:cNvPicPr>
+            <a:picLocks noChangeAspect="1"/>
+          </p:cNvPicPr>
+          <p:nvPr/>
+        </p:nvPicPr>
+        <p:blipFill>
+          <a:blip r:embed="rId37"/>
+          <a:stretch>
+            <a:fillRect/>
+          </a:stretch>
+        </p:blipFill>
+        <p:spPr>
+          <a:xfrm>
+            <a:off x="4933984" y="3037502"/>
+            <a:ext cx="933225" cy="663976"/>
+          </a:xfrm>
+          <a:prstGeom prst="rect">
+            <a:avLst/>
+          </a:prstGeom>
+        </p:spPr>
+      </p:pic>
+      <p:sp>
+        <p:nvSpPr>
+          <p:cNvPr id="42" name="TextBox 41">
+            <a:extLst>
+              <a:ext uri="{FF2B5EF4-FFF2-40B4-BE49-F238E27FC236}">
+                <a16:creationId xmlns:a16="http://schemas.microsoft.com/office/drawing/2014/main" id="{1CF6EB7E-EB4B-32B3-8330-90231246CD02}"/>
+              </a:ext>
+            </a:extLst>
+          </p:cNvPr>
+          <p:cNvSpPr txBox="1"/>
+          <p:nvPr/>
+        </p:nvSpPr>
+        <p:spPr>
+          <a:xfrm>
+            <a:off x="8577828" y="3616760"/>
+            <a:ext cx="2124716" cy="281103"/>
+          </a:xfrm>
+          <a:prstGeom prst="rect">
+            <a:avLst/>
+          </a:prstGeom>
+          <a:noFill/>
+        </p:spPr>
+        <p:txBody>
+          <a:bodyPr wrap="square" rtlCol="0">
+            <a:spAutoFit/>
+          </a:bodyPr>
+          <a:lstStyle/>
+          <a:p>
+            <a:pPr>
+              <a:lnSpc>
+                <a:spcPts val="1400"/>
+              </a:lnSpc>
+            </a:pPr>
+            <a:r>
+              <a:rPr lang="en-US" sz="1600" b="1" dirty="0"/>
+              <a:t>carrier generation rate</a:t>
+            </a:r>
+            <a:endParaRPr lang="ru-UA" sz="1600" b="1" dirty="0"/>
+          </a:p>
+        </p:txBody>
+      </p:sp>
+      <p:sp>
+        <p:nvSpPr>
+          <p:cNvPr id="43" name="TextBox 42">
+            <a:extLst>
+              <a:ext uri="{FF2B5EF4-FFF2-40B4-BE49-F238E27FC236}">
+                <a16:creationId xmlns:a16="http://schemas.microsoft.com/office/drawing/2014/main" id="{F6D97EC6-D836-D202-0947-F1A484D2E5BC}"/>
+              </a:ext>
+            </a:extLst>
+          </p:cNvPr>
+          <p:cNvSpPr txBox="1"/>
+          <p:nvPr/>
+        </p:nvSpPr>
+        <p:spPr>
+          <a:xfrm>
+            <a:off x="8315769" y="2666413"/>
+            <a:ext cx="524118" cy="1217851"/>
+          </a:xfrm>
+          <a:prstGeom prst="rect">
+            <a:avLst/>
+          </a:prstGeom>
+          <a:noFill/>
+        </p:spPr>
+        <p:txBody>
+          <a:bodyPr vert="vert270" wrap="square" rtlCol="0">
+            <a:spAutoFit/>
+          </a:bodyPr>
+          <a:lstStyle/>
+          <a:p>
+            <a:pPr algn="ctr">
+              <a:lnSpc>
+                <a:spcPts val="1400"/>
+              </a:lnSpc>
+            </a:pPr>
+            <a:r>
+              <a:rPr lang="en-US" sz="1600" b="1" dirty="0" err="1"/>
+              <a:t>dsissosiation</a:t>
+            </a:r>
+            <a:endParaRPr lang="en-US" sz="1600" b="1" dirty="0"/>
+          </a:p>
+          <a:p>
+            <a:pPr algn="ctr">
+              <a:lnSpc>
+                <a:spcPts val="1100"/>
+              </a:lnSpc>
+            </a:pPr>
+            <a:r>
+              <a:rPr lang="en-US" sz="1600" b="1" dirty="0"/>
+              <a:t> rate</a:t>
+            </a:r>
+            <a:endParaRPr lang="ru-UA" sz="1600" b="1" dirty="0"/>
+          </a:p>
+        </p:txBody>
+      </p:sp>
+      <p:graphicFrame>
+        <p:nvGraphicFramePr>
+          <p:cNvPr id="54" name="Об'єкт 53">
+            <a:extLst>
+              <a:ext uri="{FF2B5EF4-FFF2-40B4-BE49-F238E27FC236}">
+                <a16:creationId xmlns:a16="http://schemas.microsoft.com/office/drawing/2014/main" id="{FD89BB86-5236-20CE-E992-E3EE63ACDAD0}"/>
+              </a:ext>
+            </a:extLst>
+          </p:cNvPr>
+          <p:cNvGraphicFramePr>
+            <a:graphicFrameLocks noChangeAspect="1"/>
+          </p:cNvGraphicFramePr>
+          <p:nvPr>
+            <p:extLst>
+              <p:ext uri="{D42A27DB-BD31-4B8C-83A1-F6EECF244321}">
+                <p14:modId xmlns:p14="http://schemas.microsoft.com/office/powerpoint/2010/main" val="1170535710"/>
+              </p:ext>
+            </p:extLst>
+          </p:nvPr>
+        </p:nvGraphicFramePr>
+        <p:xfrm>
+          <a:off x="10149330" y="1775524"/>
+          <a:ext cx="1314450" cy="657225"/>
+        </p:xfrm>
+        <a:graphic>
+          <a:graphicData uri="http://schemas.openxmlformats.org/presentationml/2006/ole">
+            <mc:AlternateContent xmlns:mc="http://schemas.openxmlformats.org/markup-compatibility/2006">
+              <mc:Choice xmlns:v="urn:schemas-microsoft-com:vml" Requires="v">
+                <p:oleObj name="Equation" r:id="rId38" imgW="457200" imgH="228600" progId="Equation.DSMT4">
+                  <p:embed/>
+                </p:oleObj>
+              </mc:Choice>
+              <mc:Fallback>
+                <p:oleObj name="Equation" r:id="rId38" imgW="457200" imgH="228600" progId="Equation.DSMT4">
+                  <p:embed/>
+                  <p:pic>
+                    <p:nvPicPr>
+                      <p:cNvPr id="14" name="Об'єкт 13">
+                        <a:extLst>
+                          <a:ext uri="{FF2B5EF4-FFF2-40B4-BE49-F238E27FC236}">
+                            <a16:creationId xmlns:a16="http://schemas.microsoft.com/office/drawing/2014/main" id="{DBFA31E2-86E2-41F7-1F83-6DF22378C358}"/>
+                          </a:ext>
+                        </a:extLst>
+                      </p:cNvPr>
+                      <p:cNvPicPr/>
+                      <p:nvPr/>
+                    </p:nvPicPr>
+                    <p:blipFill>
+                      <a:blip r:embed="rId39"/>
+                      <a:stretch>
+                        <a:fillRect/>
+                      </a:stretch>
+                    </p:blipFill>
+                    <p:spPr>
+                      <a:xfrm>
+                        <a:off x="10149330" y="1775524"/>
+                        <a:ext cx="1314450" cy="657225"/>
+                      </a:xfrm>
+                      <a:prstGeom prst="rect">
+                        <a:avLst/>
+                      </a:prstGeom>
+                    </p:spPr>
+                  </p:pic>
+                </p:oleObj>
+              </mc:Fallback>
+            </mc:AlternateContent>
+          </a:graphicData>
+        </a:graphic>
+      </p:graphicFrame>
+      <p:pic>
+        <p:nvPicPr>
+          <p:cNvPr id="3" name="Рисунок 2">
+            <a:extLst>
+              <a:ext uri="{FF2B5EF4-FFF2-40B4-BE49-F238E27FC236}">
+                <a16:creationId xmlns:a16="http://schemas.microsoft.com/office/drawing/2014/main" id="{1523FC2D-19E5-C22E-8FD9-1D6C33041B6A}"/>
+              </a:ext>
+            </a:extLst>
+          </p:cNvPr>
+          <p:cNvPicPr>
+            <a:picLocks noChangeAspect="1"/>
+          </p:cNvPicPr>
+          <p:nvPr/>
+        </p:nvPicPr>
+        <p:blipFill>
+          <a:blip r:embed="rId40"/>
+          <a:stretch>
+            <a:fillRect/>
+          </a:stretch>
+        </p:blipFill>
+        <p:spPr>
+          <a:xfrm>
+            <a:off x="10336536" y="2933787"/>
+            <a:ext cx="745169" cy="581047"/>
           </a:xfrm>
           <a:prstGeom prst="rect">
             <a:avLst/>
